--- a/Hackathon Presentation.pptx
+++ b/Hackathon Presentation.pptx
@@ -2550,18 +2550,18 @@
 </file>
 
 <file path=ppt/diagrams/colors4.xml><?xml version="1.0" encoding="utf-8"?>
-<dgm:colorsDef xmlns:dgm="http://schemas.openxmlformats.org/drawingml/2006/diagram" xmlns:a="http://schemas.openxmlformats.org/drawingml/2006/main" uniqueId="urn:microsoft.com/office/officeart/2018/5/colors/Iconchunking_neutralbg_accent1_2">
+<dgm:colorsDef xmlns:dgm="http://schemas.openxmlformats.org/drawingml/2006/diagram" xmlns:a="http://schemas.openxmlformats.org/drawingml/2006/main" uniqueId="urn:microsoft.com/office/officeart/2018/5/colors/Iconchunking_neutralicon_accent0_3">
   <dgm:title val=""/>
   <dgm:desc val=""/>
   <dgm:catLst>
-    <dgm:cat type="accent1" pri="11200"/>
+    <dgm:cat type="mainScheme" pri="10300"/>
   </dgm:catLst>
   <dgm:styleLbl name="node0">
     <dgm:fillClrLst meth="repeat">
-      <a:schemeClr val="accent1"/>
-    </dgm:fillClrLst>
-    <dgm:linClrLst meth="repeat">
-      <a:schemeClr val="lt1"/>
+      <a:schemeClr val="dk2"/>
+    </dgm:fillClrLst>
+    <dgm:linClrLst meth="repeat">
+      <a:schemeClr val="lt2"/>
     </dgm:linClrLst>
     <dgm:effectClrLst/>
     <dgm:txLinClrLst/>
@@ -2570,10 +2570,10 @@
   </dgm:styleLbl>
   <dgm:styleLbl name="alignNode1">
     <dgm:fillClrLst meth="repeat">
-      <a:schemeClr val="accent1"/>
-    </dgm:fillClrLst>
-    <dgm:linClrLst meth="repeat">
-      <a:schemeClr val="accent1"/>
+      <a:schemeClr val="dk2"/>
+    </dgm:fillClrLst>
+    <dgm:linClrLst meth="repeat">
+      <a:schemeClr val="dk2"/>
     </dgm:linClrLst>
     <dgm:effectClrLst/>
     <dgm:txLinClrLst/>
@@ -2582,38 +2582,40 @@
   </dgm:styleLbl>
   <dgm:styleLbl name="node1">
     <dgm:fillClrLst meth="repeat">
-      <a:schemeClr val="accent1"/>
-    </dgm:fillClrLst>
-    <dgm:linClrLst meth="repeat">
-      <a:schemeClr val="lt1">
+      <a:schemeClr val="bg1"/>
+    </dgm:fillClrLst>
+    <dgm:linClrLst meth="repeat">
+      <a:schemeClr val="lt2">
         <a:alpha val="0"/>
       </a:schemeClr>
     </dgm:linClrLst>
     <dgm:effectClrLst/>
     <dgm:txLinClrLst/>
+    <dgm:txFillClrLst meth="repeat">
+      <a:schemeClr val="dk1"/>
+    </dgm:txFillClrLst>
+    <dgm:txEffectClrLst/>
+  </dgm:styleLbl>
+  <dgm:styleLbl name="lnNode1">
+    <dgm:fillClrLst meth="repeat">
+      <a:schemeClr val="dk2"/>
+    </dgm:fillClrLst>
+    <dgm:linClrLst meth="repeat">
+      <a:schemeClr val="lt2"/>
+    </dgm:linClrLst>
+    <dgm:effectClrLst/>
+    <dgm:txLinClrLst/>
     <dgm:txFillClrLst/>
     <dgm:txEffectClrLst/>
   </dgm:styleLbl>
-  <dgm:styleLbl name="lnNode1">
-    <dgm:fillClrLst meth="repeat">
-      <a:schemeClr val="accent1"/>
-    </dgm:fillClrLst>
-    <dgm:linClrLst meth="repeat">
-      <a:schemeClr val="lt1"/>
-    </dgm:linClrLst>
-    <dgm:effectClrLst/>
-    <dgm:txLinClrLst/>
-    <dgm:txFillClrLst/>
-    <dgm:txEffectClrLst/>
-  </dgm:styleLbl>
   <dgm:styleLbl name="vennNode1">
     <dgm:fillClrLst meth="repeat">
-      <a:schemeClr val="accent1">
+      <a:schemeClr val="dk2">
         <a:alpha val="50000"/>
       </a:schemeClr>
     </dgm:fillClrLst>
     <dgm:linClrLst meth="repeat">
-      <a:schemeClr val="lt1"/>
+      <a:schemeClr val="lt2"/>
     </dgm:linClrLst>
     <dgm:effectClrLst/>
     <dgm:txLinClrLst/>
@@ -2622,10 +2624,10 @@
   </dgm:styleLbl>
   <dgm:styleLbl name="node2">
     <dgm:fillClrLst meth="repeat">
-      <a:schemeClr val="accent1"/>
-    </dgm:fillClrLst>
-    <dgm:linClrLst meth="repeat">
-      <a:schemeClr val="lt1"/>
+      <a:schemeClr val="dk2"/>
+    </dgm:fillClrLst>
+    <dgm:linClrLst meth="repeat">
+      <a:schemeClr val="lt2"/>
     </dgm:linClrLst>
     <dgm:effectClrLst/>
     <dgm:txLinClrLst/>
@@ -2634,10 +2636,10 @@
   </dgm:styleLbl>
   <dgm:styleLbl name="node3">
     <dgm:fillClrLst meth="repeat">
-      <a:schemeClr val="accent1"/>
-    </dgm:fillClrLst>
-    <dgm:linClrLst meth="repeat">
-      <a:schemeClr val="lt1"/>
+      <a:schemeClr val="dk2"/>
+    </dgm:fillClrLst>
+    <dgm:linClrLst meth="repeat">
+      <a:schemeClr val="lt2"/>
     </dgm:linClrLst>
     <dgm:effectClrLst/>
     <dgm:txLinClrLst/>
@@ -2646,10 +2648,10 @@
   </dgm:styleLbl>
   <dgm:styleLbl name="node4">
     <dgm:fillClrLst meth="repeat">
-      <a:schemeClr val="accent1"/>
-    </dgm:fillClrLst>
-    <dgm:linClrLst meth="repeat">
-      <a:schemeClr val="lt1"/>
+      <a:schemeClr val="dk2"/>
+    </dgm:fillClrLst>
+    <dgm:linClrLst meth="repeat">
+      <a:schemeClr val="lt2"/>
     </dgm:linClrLst>
     <dgm:effectClrLst/>
     <dgm:txLinClrLst/>
@@ -2658,12 +2660,586 @@
   </dgm:styleLbl>
   <dgm:styleLbl name="fgImgPlace1">
     <dgm:fillClrLst meth="repeat">
-      <a:schemeClr val="accent1">
+      <a:schemeClr val="dk2">
         <a:tint val="50000"/>
       </a:schemeClr>
     </dgm:fillClrLst>
     <dgm:linClrLst meth="repeat">
-      <a:schemeClr val="lt1"/>
+      <a:schemeClr val="lt2"/>
+    </dgm:linClrLst>
+    <dgm:effectClrLst/>
+    <dgm:txLinClrLst/>
+    <dgm:txFillClrLst meth="repeat">
+      <a:schemeClr val="lt2"/>
+    </dgm:txFillClrLst>
+    <dgm:txEffectClrLst/>
+  </dgm:styleLbl>
+  <dgm:styleLbl name="alignImgPlace1">
+    <dgm:fillClrLst meth="repeat">
+      <a:schemeClr val="dk2">
+        <a:tint val="50000"/>
+      </a:schemeClr>
+    </dgm:fillClrLst>
+    <dgm:linClrLst meth="repeat">
+      <a:schemeClr val="dk2">
+        <a:shade val="80000"/>
+      </a:schemeClr>
+    </dgm:linClrLst>
+    <dgm:effectClrLst/>
+    <dgm:txLinClrLst/>
+    <dgm:txFillClrLst meth="repeat">
+      <a:schemeClr val="lt2"/>
+    </dgm:txFillClrLst>
+    <dgm:txEffectClrLst/>
+  </dgm:styleLbl>
+  <dgm:styleLbl name="bgImgPlace1">
+    <dgm:fillClrLst meth="repeat">
+      <a:schemeClr val="dk2">
+        <a:tint val="50000"/>
+      </a:schemeClr>
+    </dgm:fillClrLst>
+    <dgm:linClrLst meth="repeat">
+      <a:schemeClr val="dk2">
+        <a:shade val="80000"/>
+      </a:schemeClr>
+    </dgm:linClrLst>
+    <dgm:effectClrLst/>
+    <dgm:txLinClrLst/>
+    <dgm:txFillClrLst meth="repeat">
+      <a:schemeClr val="lt2"/>
+    </dgm:txFillClrLst>
+    <dgm:txEffectClrLst/>
+  </dgm:styleLbl>
+  <dgm:styleLbl name="sibTrans2D1">
+    <dgm:fillClrLst meth="repeat">
+      <a:schemeClr val="dk2">
+        <a:tint val="60000"/>
+      </a:schemeClr>
+    </dgm:fillClrLst>
+    <dgm:linClrLst meth="repeat">
+      <a:schemeClr val="dk2">
+        <a:tint val="60000"/>
+      </a:schemeClr>
+    </dgm:linClrLst>
+    <dgm:effectClrLst/>
+    <dgm:txLinClrLst/>
+    <dgm:txFillClrLst/>
+    <dgm:txEffectClrLst/>
+  </dgm:styleLbl>
+  <dgm:styleLbl name="fgSibTrans2D1">
+    <dgm:fillClrLst meth="repeat">
+      <a:schemeClr val="dk2">
+        <a:tint val="60000"/>
+      </a:schemeClr>
+    </dgm:fillClrLst>
+    <dgm:linClrLst meth="repeat">
+      <a:schemeClr val="dk2">
+        <a:tint val="60000"/>
+      </a:schemeClr>
+    </dgm:linClrLst>
+    <dgm:effectClrLst/>
+    <dgm:txLinClrLst/>
+    <dgm:txFillClrLst/>
+    <dgm:txEffectClrLst/>
+  </dgm:styleLbl>
+  <dgm:styleLbl name="bgSibTrans2D1">
+    <dgm:fillClrLst meth="repeat">
+      <a:schemeClr val="dk2">
+        <a:tint val="60000"/>
+      </a:schemeClr>
+    </dgm:fillClrLst>
+    <dgm:linClrLst meth="repeat">
+      <a:schemeClr val="dk2">
+        <a:tint val="60000"/>
+      </a:schemeClr>
+    </dgm:linClrLst>
+    <dgm:effectClrLst/>
+    <dgm:txLinClrLst/>
+    <dgm:txFillClrLst/>
+    <dgm:txEffectClrLst/>
+  </dgm:styleLbl>
+  <dgm:styleLbl name="sibTrans1D1">
+    <dgm:fillClrLst meth="repeat">
+      <a:schemeClr val="dk2"/>
+    </dgm:fillClrLst>
+    <dgm:linClrLst meth="repeat">
+      <a:schemeClr val="dk2"/>
+    </dgm:linClrLst>
+    <dgm:effectClrLst/>
+    <dgm:txLinClrLst/>
+    <dgm:txFillClrLst meth="repeat">
+      <a:schemeClr val="lt2"/>
+    </dgm:txFillClrLst>
+    <dgm:txEffectClrLst/>
+  </dgm:styleLbl>
+  <dgm:styleLbl name="callout">
+    <dgm:fillClrLst meth="repeat">
+      <a:schemeClr val="dk2"/>
+    </dgm:fillClrLst>
+    <dgm:linClrLst meth="repeat">
+      <a:schemeClr val="dk2">
+        <a:tint val="50000"/>
+      </a:schemeClr>
+    </dgm:linClrLst>
+    <dgm:effectClrLst/>
+    <dgm:txLinClrLst/>
+    <dgm:txFillClrLst meth="repeat">
+      <a:schemeClr val="lt2"/>
+    </dgm:txFillClrLst>
+    <dgm:txEffectClrLst/>
+  </dgm:styleLbl>
+  <dgm:styleLbl name="asst0">
+    <dgm:fillClrLst meth="repeat">
+      <a:schemeClr val="dk2"/>
+    </dgm:fillClrLst>
+    <dgm:linClrLst meth="repeat">
+      <a:schemeClr val="lt2"/>
+    </dgm:linClrLst>
+    <dgm:effectClrLst/>
+    <dgm:txLinClrLst/>
+    <dgm:txFillClrLst/>
+    <dgm:txEffectClrLst/>
+  </dgm:styleLbl>
+  <dgm:styleLbl name="asst1">
+    <dgm:fillClrLst meth="repeat">
+      <a:schemeClr val="dk2"/>
+    </dgm:fillClrLst>
+    <dgm:linClrLst meth="repeat">
+      <a:schemeClr val="lt2"/>
+    </dgm:linClrLst>
+    <dgm:effectClrLst/>
+    <dgm:txLinClrLst/>
+    <dgm:txFillClrLst/>
+    <dgm:txEffectClrLst/>
+  </dgm:styleLbl>
+  <dgm:styleLbl name="asst2">
+    <dgm:fillClrLst meth="repeat">
+      <a:schemeClr val="dk2"/>
+    </dgm:fillClrLst>
+    <dgm:linClrLst meth="repeat">
+      <a:schemeClr val="lt2"/>
+    </dgm:linClrLst>
+    <dgm:effectClrLst/>
+    <dgm:txLinClrLst/>
+    <dgm:txFillClrLst/>
+    <dgm:txEffectClrLst/>
+  </dgm:styleLbl>
+  <dgm:styleLbl name="asst3">
+    <dgm:fillClrLst meth="repeat">
+      <a:schemeClr val="dk2"/>
+    </dgm:fillClrLst>
+    <dgm:linClrLst meth="repeat">
+      <a:schemeClr val="lt2"/>
+    </dgm:linClrLst>
+    <dgm:effectClrLst/>
+    <dgm:txLinClrLst/>
+    <dgm:txFillClrLst/>
+    <dgm:txEffectClrLst/>
+  </dgm:styleLbl>
+  <dgm:styleLbl name="asst4">
+    <dgm:fillClrLst meth="repeat">
+      <a:schemeClr val="dk2"/>
+    </dgm:fillClrLst>
+    <dgm:linClrLst meth="repeat">
+      <a:schemeClr val="lt2"/>
+    </dgm:linClrLst>
+    <dgm:effectClrLst/>
+    <dgm:txLinClrLst/>
+    <dgm:txFillClrLst/>
+    <dgm:txEffectClrLst/>
+  </dgm:styleLbl>
+  <dgm:styleLbl name="parChTrans2D1">
+    <dgm:fillClrLst meth="repeat">
+      <a:schemeClr val="dk2">
+        <a:tint val="60000"/>
+      </a:schemeClr>
+    </dgm:fillClrLst>
+    <dgm:linClrLst meth="repeat">
+      <a:schemeClr val="dk2">
+        <a:tint val="60000"/>
+      </a:schemeClr>
+    </dgm:linClrLst>
+    <dgm:effectClrLst/>
+    <dgm:txLinClrLst/>
+    <dgm:txFillClrLst meth="repeat">
+      <a:schemeClr val="lt2"/>
+    </dgm:txFillClrLst>
+    <dgm:txEffectClrLst/>
+  </dgm:styleLbl>
+  <dgm:styleLbl name="parChTrans2D2">
+    <dgm:fillClrLst meth="repeat">
+      <a:schemeClr val="dk2"/>
+    </dgm:fillClrLst>
+    <dgm:linClrLst meth="repeat">
+      <a:schemeClr val="dk2"/>
+    </dgm:linClrLst>
+    <dgm:effectClrLst/>
+    <dgm:txLinClrLst/>
+    <dgm:txFillClrLst meth="repeat">
+      <a:schemeClr val="lt2"/>
+    </dgm:txFillClrLst>
+    <dgm:txEffectClrLst/>
+  </dgm:styleLbl>
+  <dgm:styleLbl name="parChTrans2D3">
+    <dgm:fillClrLst meth="repeat">
+      <a:schemeClr val="dk2"/>
+    </dgm:fillClrLst>
+    <dgm:linClrLst meth="repeat">
+      <a:schemeClr val="dk2"/>
+    </dgm:linClrLst>
+    <dgm:effectClrLst/>
+    <dgm:txLinClrLst/>
+    <dgm:txFillClrLst meth="repeat">
+      <a:schemeClr val="lt2"/>
+    </dgm:txFillClrLst>
+    <dgm:txEffectClrLst/>
+  </dgm:styleLbl>
+  <dgm:styleLbl name="parChTrans2D4">
+    <dgm:fillClrLst meth="repeat">
+      <a:schemeClr val="dk2"/>
+    </dgm:fillClrLst>
+    <dgm:linClrLst meth="repeat">
+      <a:schemeClr val="dk2"/>
+    </dgm:linClrLst>
+    <dgm:effectClrLst/>
+    <dgm:txLinClrLst/>
+    <dgm:txFillClrLst meth="repeat">
+      <a:schemeClr val="lt2"/>
+    </dgm:txFillClrLst>
+    <dgm:txEffectClrLst/>
+  </dgm:styleLbl>
+  <dgm:styleLbl name="parChTrans1D1">
+    <dgm:fillClrLst meth="repeat">
+      <a:schemeClr val="dk2"/>
+    </dgm:fillClrLst>
+    <dgm:linClrLst meth="repeat">
+      <a:schemeClr val="dk2">
+        <a:shade val="60000"/>
+      </a:schemeClr>
+    </dgm:linClrLst>
+    <dgm:effectClrLst/>
+    <dgm:txLinClrLst/>
+    <dgm:txFillClrLst meth="repeat">
+      <a:schemeClr val="tx1"/>
+    </dgm:txFillClrLst>
+    <dgm:txEffectClrLst/>
+  </dgm:styleLbl>
+  <dgm:styleLbl name="parChTrans1D2">
+    <dgm:fillClrLst meth="repeat">
+      <a:schemeClr val="dk2"/>
+    </dgm:fillClrLst>
+    <dgm:linClrLst meth="repeat">
+      <a:schemeClr val="dk2">
+        <a:shade val="60000"/>
+      </a:schemeClr>
+    </dgm:linClrLst>
+    <dgm:effectClrLst/>
+    <dgm:txLinClrLst/>
+    <dgm:txFillClrLst meth="repeat">
+      <a:schemeClr val="tx1"/>
+    </dgm:txFillClrLst>
+    <dgm:txEffectClrLst/>
+  </dgm:styleLbl>
+  <dgm:styleLbl name="parChTrans1D3">
+    <dgm:fillClrLst meth="repeat">
+      <a:schemeClr val="dk2"/>
+    </dgm:fillClrLst>
+    <dgm:linClrLst meth="repeat">
+      <a:schemeClr val="dk2">
+        <a:shade val="80000"/>
+      </a:schemeClr>
+    </dgm:linClrLst>
+    <dgm:effectClrLst/>
+    <dgm:txLinClrLst/>
+    <dgm:txFillClrLst meth="repeat">
+      <a:schemeClr val="tx1"/>
+    </dgm:txFillClrLst>
+    <dgm:txEffectClrLst/>
+  </dgm:styleLbl>
+  <dgm:styleLbl name="parChTrans1D4">
+    <dgm:fillClrLst meth="repeat">
+      <a:schemeClr val="dk2"/>
+    </dgm:fillClrLst>
+    <dgm:linClrLst meth="repeat">
+      <a:schemeClr val="dk2">
+        <a:shade val="80000"/>
+      </a:schemeClr>
+    </dgm:linClrLst>
+    <dgm:effectClrLst/>
+    <dgm:txLinClrLst/>
+    <dgm:txFillClrLst meth="repeat">
+      <a:schemeClr val="tx1"/>
+    </dgm:txFillClrLst>
+    <dgm:txEffectClrLst/>
+  </dgm:styleLbl>
+  <dgm:styleLbl name="fgAcc1">
+    <dgm:fillClrLst meth="repeat">
+      <a:schemeClr val="lt2">
+        <a:alpha val="90000"/>
+      </a:schemeClr>
+    </dgm:fillClrLst>
+    <dgm:linClrLst meth="repeat">
+      <a:schemeClr val="dk2"/>
+    </dgm:linClrLst>
+    <dgm:effectClrLst/>
+    <dgm:txLinClrLst/>
+    <dgm:txFillClrLst meth="repeat">
+      <a:schemeClr val="dk1"/>
+    </dgm:txFillClrLst>
+    <dgm:txEffectClrLst/>
+  </dgm:styleLbl>
+  <dgm:styleLbl name="conFgAcc1">
+    <dgm:fillClrLst meth="repeat">
+      <a:schemeClr val="lt2">
+        <a:alpha val="90000"/>
+      </a:schemeClr>
+    </dgm:fillClrLst>
+    <dgm:linClrLst meth="repeat">
+      <a:schemeClr val="dk2"/>
+    </dgm:linClrLst>
+    <dgm:effectClrLst/>
+    <dgm:txLinClrLst/>
+    <dgm:txFillClrLst meth="repeat">
+      <a:schemeClr val="dk1"/>
+    </dgm:txFillClrLst>
+    <dgm:txEffectClrLst/>
+  </dgm:styleLbl>
+  <dgm:styleLbl name="alignAcc1">
+    <dgm:fillClrLst meth="repeat">
+      <a:schemeClr val="lt2">
+        <a:alpha val="90000"/>
+      </a:schemeClr>
+    </dgm:fillClrLst>
+    <dgm:linClrLst meth="repeat">
+      <a:schemeClr val="dk2"/>
+    </dgm:linClrLst>
+    <dgm:effectClrLst/>
+    <dgm:txLinClrLst/>
+    <dgm:txFillClrLst meth="repeat">
+      <a:schemeClr val="dk1"/>
+    </dgm:txFillClrLst>
+    <dgm:txEffectClrLst/>
+  </dgm:styleLbl>
+  <dgm:styleLbl name="trAlignAcc1">
+    <dgm:fillClrLst meth="repeat">
+      <a:schemeClr val="lt2">
+        <a:alpha val="40000"/>
+      </a:schemeClr>
+    </dgm:fillClrLst>
+    <dgm:linClrLst meth="repeat">
+      <a:schemeClr val="dk2"/>
+    </dgm:linClrLst>
+    <dgm:effectClrLst/>
+    <dgm:txLinClrLst/>
+    <dgm:txFillClrLst meth="repeat">
+      <a:schemeClr val="dk1"/>
+    </dgm:txFillClrLst>
+    <dgm:txEffectClrLst/>
+  </dgm:styleLbl>
+  <dgm:styleLbl name="bgAcc1">
+    <dgm:fillClrLst meth="repeat">
+      <a:schemeClr val="lt2">
+        <a:alpha val="90000"/>
+      </a:schemeClr>
+    </dgm:fillClrLst>
+    <dgm:linClrLst meth="repeat">
+      <a:schemeClr val="dk2"/>
+    </dgm:linClrLst>
+    <dgm:effectClrLst/>
+    <dgm:txLinClrLst/>
+    <dgm:txFillClrLst meth="repeat">
+      <a:schemeClr val="dk1"/>
+    </dgm:txFillClrLst>
+    <dgm:txEffectClrLst/>
+  </dgm:styleLbl>
+  <dgm:styleLbl name="solidFgAcc1">
+    <dgm:fillClrLst meth="repeat">
+      <a:schemeClr val="lt2"/>
+    </dgm:fillClrLst>
+    <dgm:linClrLst meth="repeat">
+      <a:schemeClr val="dk2"/>
+    </dgm:linClrLst>
+    <dgm:effectClrLst/>
+    <dgm:txLinClrLst/>
+    <dgm:txFillClrLst meth="repeat">
+      <a:schemeClr val="dk1"/>
+    </dgm:txFillClrLst>
+    <dgm:txEffectClrLst/>
+  </dgm:styleLbl>
+  <dgm:styleLbl name="solidAlignAcc1">
+    <dgm:fillClrLst meth="repeat">
+      <a:schemeClr val="lt2"/>
+    </dgm:fillClrLst>
+    <dgm:linClrLst meth="repeat">
+      <a:schemeClr val="dk2"/>
+    </dgm:linClrLst>
+    <dgm:effectClrLst/>
+    <dgm:txLinClrLst/>
+    <dgm:txFillClrLst meth="repeat">
+      <a:schemeClr val="dk1"/>
+    </dgm:txFillClrLst>
+    <dgm:txEffectClrLst/>
+  </dgm:styleLbl>
+  <dgm:styleLbl name="solidBgAcc1">
+    <dgm:fillClrLst meth="repeat">
+      <a:schemeClr val="lt2"/>
+    </dgm:fillClrLst>
+    <dgm:linClrLst meth="repeat">
+      <a:schemeClr val="dk2"/>
+    </dgm:linClrLst>
+    <dgm:effectClrLst/>
+    <dgm:txLinClrLst/>
+    <dgm:txFillClrLst meth="repeat">
+      <a:schemeClr val="dk1"/>
+    </dgm:txFillClrLst>
+    <dgm:txEffectClrLst/>
+  </dgm:styleLbl>
+  <dgm:styleLbl name="fgAccFollowNode1">
+    <dgm:fillClrLst meth="repeat">
+      <a:schemeClr val="dk2">
+        <a:alpha val="90000"/>
+        <a:tint val="40000"/>
+      </a:schemeClr>
+    </dgm:fillClrLst>
+    <dgm:linClrLst meth="repeat">
+      <a:schemeClr val="dk2">
+        <a:alpha val="90000"/>
+        <a:tint val="40000"/>
+      </a:schemeClr>
+    </dgm:linClrLst>
+    <dgm:effectClrLst/>
+    <dgm:txLinClrLst/>
+    <dgm:txFillClrLst meth="repeat">
+      <a:schemeClr val="dk1"/>
+    </dgm:txFillClrLst>
+    <dgm:txEffectClrLst/>
+  </dgm:styleLbl>
+  <dgm:styleLbl name="alignAccFollowNode1">
+    <dgm:fillClrLst meth="repeat">
+      <a:schemeClr val="dk2">
+        <a:alpha val="90000"/>
+        <a:tint val="40000"/>
+      </a:schemeClr>
+    </dgm:fillClrLst>
+    <dgm:linClrLst meth="repeat">
+      <a:schemeClr val="dk2">
+        <a:alpha val="90000"/>
+        <a:tint val="40000"/>
+      </a:schemeClr>
+    </dgm:linClrLst>
+    <dgm:effectClrLst/>
+    <dgm:txLinClrLst/>
+    <dgm:txFillClrLst meth="repeat">
+      <a:schemeClr val="dk1"/>
+    </dgm:txFillClrLst>
+    <dgm:txEffectClrLst/>
+  </dgm:styleLbl>
+  <dgm:styleLbl name="bgAccFollowNode1">
+    <dgm:fillClrLst meth="repeat">
+      <a:schemeClr val="dk2">
+        <a:alpha val="90000"/>
+        <a:tint val="40000"/>
+      </a:schemeClr>
+    </dgm:fillClrLst>
+    <dgm:linClrLst meth="repeat">
+      <a:schemeClr val="dk2">
+        <a:alpha val="90000"/>
+        <a:tint val="40000"/>
+      </a:schemeClr>
+    </dgm:linClrLst>
+    <dgm:effectClrLst/>
+    <dgm:txLinClrLst/>
+    <dgm:txFillClrLst meth="repeat">
+      <a:schemeClr val="dk1"/>
+    </dgm:txFillClrLst>
+    <dgm:txEffectClrLst/>
+  </dgm:styleLbl>
+  <dgm:styleLbl name="fgAcc0">
+    <dgm:fillClrLst meth="repeat">
+      <a:schemeClr val="lt2">
+        <a:alpha val="90000"/>
+      </a:schemeClr>
+    </dgm:fillClrLst>
+    <dgm:linClrLst meth="repeat">
+      <a:schemeClr val="dk2"/>
+    </dgm:linClrLst>
+    <dgm:effectClrLst/>
+    <dgm:txLinClrLst/>
+    <dgm:txFillClrLst meth="repeat">
+      <a:schemeClr val="dk1"/>
+    </dgm:txFillClrLst>
+    <dgm:txEffectClrLst/>
+  </dgm:styleLbl>
+  <dgm:styleLbl name="fgAcc2">
+    <dgm:fillClrLst meth="repeat">
+      <a:schemeClr val="lt2">
+        <a:alpha val="90000"/>
+      </a:schemeClr>
+    </dgm:fillClrLst>
+    <dgm:linClrLst meth="repeat">
+      <a:schemeClr val="dk2"/>
+    </dgm:linClrLst>
+    <dgm:effectClrLst/>
+    <dgm:txLinClrLst/>
+    <dgm:txFillClrLst meth="repeat">
+      <a:schemeClr val="dk1"/>
+    </dgm:txFillClrLst>
+    <dgm:txEffectClrLst/>
+  </dgm:styleLbl>
+  <dgm:styleLbl name="fgAcc3">
+    <dgm:fillClrLst meth="repeat">
+      <a:schemeClr val="lt2">
+        <a:alpha val="90000"/>
+      </a:schemeClr>
+    </dgm:fillClrLst>
+    <dgm:linClrLst meth="repeat">
+      <a:schemeClr val="dk2"/>
+    </dgm:linClrLst>
+    <dgm:effectClrLst/>
+    <dgm:txLinClrLst/>
+    <dgm:txFillClrLst meth="repeat">
+      <a:schemeClr val="dk1"/>
+    </dgm:txFillClrLst>
+    <dgm:txEffectClrLst/>
+  </dgm:styleLbl>
+  <dgm:styleLbl name="fgAcc4">
+    <dgm:fillClrLst meth="repeat">
+      <a:schemeClr val="lt2">
+        <a:alpha val="90000"/>
+      </a:schemeClr>
+    </dgm:fillClrLst>
+    <dgm:linClrLst meth="repeat">
+      <a:schemeClr val="dk2"/>
+    </dgm:linClrLst>
+    <dgm:effectClrLst/>
+    <dgm:txLinClrLst/>
+    <dgm:txFillClrLst meth="repeat">
+      <a:schemeClr val="dk1"/>
+    </dgm:txFillClrLst>
+    <dgm:txEffectClrLst/>
+  </dgm:styleLbl>
+  <dgm:styleLbl name="bgShp">
+    <dgm:fillClrLst meth="repeat">
+      <a:schemeClr val="dk2"/>
+    </dgm:fillClrLst>
+    <dgm:linClrLst meth="repeat">
+      <a:schemeClr val="lt2">
+        <a:alpha val="0"/>
+      </a:schemeClr>
+    </dgm:linClrLst>
+    <dgm:effectClrLst/>
+    <dgm:txLinClrLst/>
+    <dgm:txFillClrLst/>
+    <dgm:txEffectClrLst/>
+  </dgm:styleLbl>
+  <dgm:styleLbl name="dkBgShp">
+    <dgm:fillClrLst meth="repeat">
+      <a:schemeClr val="dk2">
+        <a:shade val="80000"/>
+      </a:schemeClr>
+    </dgm:fillClrLst>
+    <dgm:linClrLst meth="repeat">
+      <a:schemeClr val="dk2"/>
     </dgm:linClrLst>
     <dgm:effectClrLst/>
     <dgm:txLinClrLst/>
@@ -2672,14 +3248,15 @@
     </dgm:txFillClrLst>
     <dgm:txEffectClrLst/>
   </dgm:styleLbl>
-  <dgm:styleLbl name="alignImgPlace1">
-    <dgm:fillClrLst meth="repeat">
-      <a:schemeClr val="accent1">
+  <dgm:styleLbl name="trBgShp">
+    <dgm:fillClrLst meth="repeat">
+      <a:schemeClr val="dk2">
         <a:tint val="50000"/>
+        <a:alpha val="40000"/>
       </a:schemeClr>
     </dgm:fillClrLst>
     <dgm:linClrLst meth="repeat">
-      <a:schemeClr val="lt1"/>
+      <a:schemeClr val="dk2"/>
     </dgm:linClrLst>
     <dgm:effectClrLst/>
     <dgm:txLinClrLst/>
@@ -2688,292 +3265,14 @@
     </dgm:txFillClrLst>
     <dgm:txEffectClrLst/>
   </dgm:styleLbl>
-  <dgm:styleLbl name="bgImgPlace1">
-    <dgm:fillClrLst meth="repeat">
-      <a:schemeClr val="accent1">
-        <a:tint val="50000"/>
-      </a:schemeClr>
-    </dgm:fillClrLst>
-    <dgm:linClrLst meth="repeat">
-      <a:schemeClr val="lt1"/>
-    </dgm:linClrLst>
-    <dgm:effectClrLst/>
-    <dgm:txLinClrLst/>
-    <dgm:txFillClrLst meth="repeat">
-      <a:schemeClr val="lt1"/>
-    </dgm:txFillClrLst>
-    <dgm:txEffectClrLst/>
-  </dgm:styleLbl>
-  <dgm:styleLbl name="sibTrans2D1">
-    <dgm:fillClrLst meth="repeat">
-      <a:schemeClr val="accent1">
+  <dgm:styleLbl name="fgShp">
+    <dgm:fillClrLst meth="repeat">
+      <a:schemeClr val="dk2">
         <a:tint val="60000"/>
       </a:schemeClr>
     </dgm:fillClrLst>
     <dgm:linClrLst meth="repeat">
-      <a:schemeClr val="accent1">
-        <a:tint val="60000"/>
-      </a:schemeClr>
-    </dgm:linClrLst>
-    <dgm:effectClrLst/>
-    <dgm:txLinClrLst/>
-    <dgm:txFillClrLst/>
-    <dgm:txEffectClrLst/>
-  </dgm:styleLbl>
-  <dgm:styleLbl name="fgSibTrans2D1">
-    <dgm:fillClrLst meth="repeat">
-      <a:schemeClr val="accent1">
-        <a:tint val="60000"/>
-      </a:schemeClr>
-    </dgm:fillClrLst>
-    <dgm:linClrLst meth="repeat">
-      <a:schemeClr val="accent1">
-        <a:tint val="60000"/>
-      </a:schemeClr>
-    </dgm:linClrLst>
-    <dgm:effectClrLst/>
-    <dgm:txLinClrLst/>
-    <dgm:txFillClrLst/>
-    <dgm:txEffectClrLst/>
-  </dgm:styleLbl>
-  <dgm:styleLbl name="bgSibTrans2D1">
-    <dgm:fillClrLst meth="repeat">
-      <a:schemeClr val="accent1">
-        <a:tint val="60000"/>
-      </a:schemeClr>
-    </dgm:fillClrLst>
-    <dgm:linClrLst meth="repeat">
-      <a:schemeClr val="accent1">
-        <a:tint val="60000"/>
-      </a:schemeClr>
-    </dgm:linClrLst>
-    <dgm:effectClrLst/>
-    <dgm:txLinClrLst/>
-    <dgm:txFillClrLst/>
-    <dgm:txEffectClrLst/>
-  </dgm:styleLbl>
-  <dgm:styleLbl name="sibTrans1D1">
-    <dgm:fillClrLst meth="repeat">
-      <a:schemeClr val="accent1"/>
-    </dgm:fillClrLst>
-    <dgm:linClrLst meth="repeat">
-      <a:schemeClr val="accent1"/>
-    </dgm:linClrLst>
-    <dgm:effectClrLst/>
-    <dgm:txLinClrLst/>
-    <dgm:txFillClrLst meth="repeat">
-      <a:schemeClr val="tx1"/>
-    </dgm:txFillClrLst>
-    <dgm:txEffectClrLst/>
-  </dgm:styleLbl>
-  <dgm:styleLbl name="callout">
-    <dgm:fillClrLst meth="repeat">
-      <a:schemeClr val="accent1"/>
-    </dgm:fillClrLst>
-    <dgm:linClrLst meth="repeat">
-      <a:schemeClr val="accent1">
-        <a:tint val="50000"/>
-      </a:schemeClr>
-    </dgm:linClrLst>
-    <dgm:effectClrLst/>
-    <dgm:txLinClrLst/>
-    <dgm:txFillClrLst meth="repeat">
-      <a:schemeClr val="tx1"/>
-    </dgm:txFillClrLst>
-    <dgm:txEffectClrLst/>
-  </dgm:styleLbl>
-  <dgm:styleLbl name="asst0">
-    <dgm:fillClrLst meth="repeat">
-      <a:schemeClr val="accent1"/>
-    </dgm:fillClrLst>
-    <dgm:linClrLst meth="repeat">
-      <a:schemeClr val="lt1"/>
-    </dgm:linClrLst>
-    <dgm:effectClrLst/>
-    <dgm:txLinClrLst/>
-    <dgm:txFillClrLst/>
-    <dgm:txEffectClrLst/>
-  </dgm:styleLbl>
-  <dgm:styleLbl name="asst1">
-    <dgm:fillClrLst meth="repeat">
-      <a:schemeClr val="accent1"/>
-    </dgm:fillClrLst>
-    <dgm:linClrLst meth="repeat">
-      <a:schemeClr val="lt1"/>
-    </dgm:linClrLst>
-    <dgm:effectClrLst/>
-    <dgm:txLinClrLst/>
-    <dgm:txFillClrLst/>
-    <dgm:txEffectClrLst/>
-  </dgm:styleLbl>
-  <dgm:styleLbl name="asst2">
-    <dgm:fillClrLst meth="repeat">
-      <a:schemeClr val="accent1"/>
-    </dgm:fillClrLst>
-    <dgm:linClrLst meth="repeat">
-      <a:schemeClr val="lt1"/>
-    </dgm:linClrLst>
-    <dgm:effectClrLst/>
-    <dgm:txLinClrLst/>
-    <dgm:txFillClrLst/>
-    <dgm:txEffectClrLst/>
-  </dgm:styleLbl>
-  <dgm:styleLbl name="asst3">
-    <dgm:fillClrLst meth="repeat">
-      <a:schemeClr val="accent1"/>
-    </dgm:fillClrLst>
-    <dgm:linClrLst meth="repeat">
-      <a:schemeClr val="lt1"/>
-    </dgm:linClrLst>
-    <dgm:effectClrLst/>
-    <dgm:txLinClrLst/>
-    <dgm:txFillClrLst/>
-    <dgm:txEffectClrLst/>
-  </dgm:styleLbl>
-  <dgm:styleLbl name="asst4">
-    <dgm:fillClrLst meth="repeat">
-      <a:schemeClr val="accent1"/>
-    </dgm:fillClrLst>
-    <dgm:linClrLst meth="repeat">
-      <a:schemeClr val="lt1"/>
-    </dgm:linClrLst>
-    <dgm:effectClrLst/>
-    <dgm:txLinClrLst/>
-    <dgm:txFillClrLst/>
-    <dgm:txEffectClrLst/>
-  </dgm:styleLbl>
-  <dgm:styleLbl name="parChTrans2D1">
-    <dgm:fillClrLst meth="repeat">
-      <a:schemeClr val="accent1">
-        <a:tint val="60000"/>
-      </a:schemeClr>
-    </dgm:fillClrLst>
-    <dgm:linClrLst meth="repeat">
-      <a:schemeClr val="accent1">
-        <a:tint val="60000"/>
-      </a:schemeClr>
-    </dgm:linClrLst>
-    <dgm:effectClrLst/>
-    <dgm:txLinClrLst/>
-    <dgm:txFillClrLst meth="repeat">
-      <a:schemeClr val="lt1"/>
-    </dgm:txFillClrLst>
-    <dgm:txEffectClrLst/>
-  </dgm:styleLbl>
-  <dgm:styleLbl name="parChTrans2D2">
-    <dgm:fillClrLst meth="repeat">
-      <a:schemeClr val="accent1"/>
-    </dgm:fillClrLst>
-    <dgm:linClrLst meth="repeat">
-      <a:schemeClr val="accent1"/>
-    </dgm:linClrLst>
-    <dgm:effectClrLst/>
-    <dgm:txLinClrLst/>
-    <dgm:txFillClrLst meth="repeat">
-      <a:schemeClr val="lt1"/>
-    </dgm:txFillClrLst>
-    <dgm:txEffectClrLst/>
-  </dgm:styleLbl>
-  <dgm:styleLbl name="parChTrans2D3">
-    <dgm:fillClrLst meth="repeat">
-      <a:schemeClr val="accent1"/>
-    </dgm:fillClrLst>
-    <dgm:linClrLst meth="repeat">
-      <a:schemeClr val="accent1"/>
-    </dgm:linClrLst>
-    <dgm:effectClrLst/>
-    <dgm:txLinClrLst/>
-    <dgm:txFillClrLst meth="repeat">
-      <a:schemeClr val="lt1"/>
-    </dgm:txFillClrLst>
-    <dgm:txEffectClrLst/>
-  </dgm:styleLbl>
-  <dgm:styleLbl name="parChTrans2D4">
-    <dgm:fillClrLst meth="repeat">
-      <a:schemeClr val="accent1"/>
-    </dgm:fillClrLst>
-    <dgm:linClrLst meth="repeat">
-      <a:schemeClr val="accent1"/>
-    </dgm:linClrLst>
-    <dgm:effectClrLst/>
-    <dgm:txLinClrLst/>
-    <dgm:txFillClrLst meth="repeat">
-      <a:schemeClr val="lt1"/>
-    </dgm:txFillClrLst>
-    <dgm:txEffectClrLst/>
-  </dgm:styleLbl>
-  <dgm:styleLbl name="parChTrans1D1">
-    <dgm:fillClrLst meth="repeat">
-      <a:schemeClr val="accent1"/>
-    </dgm:fillClrLst>
-    <dgm:linClrLst meth="repeat">
-      <a:schemeClr val="accent1">
-        <a:shade val="60000"/>
-      </a:schemeClr>
-    </dgm:linClrLst>
-    <dgm:effectClrLst/>
-    <dgm:txLinClrLst/>
-    <dgm:txFillClrLst meth="repeat">
-      <a:schemeClr val="tx1"/>
-    </dgm:txFillClrLst>
-    <dgm:txEffectClrLst/>
-  </dgm:styleLbl>
-  <dgm:styleLbl name="parChTrans1D2">
-    <dgm:fillClrLst meth="repeat">
-      <a:schemeClr val="accent1"/>
-    </dgm:fillClrLst>
-    <dgm:linClrLst meth="repeat">
-      <a:schemeClr val="accent1">
-        <a:shade val="60000"/>
-      </a:schemeClr>
-    </dgm:linClrLst>
-    <dgm:effectClrLst/>
-    <dgm:txLinClrLst/>
-    <dgm:txFillClrLst meth="repeat">
-      <a:schemeClr val="tx1"/>
-    </dgm:txFillClrLst>
-    <dgm:txEffectClrLst/>
-  </dgm:styleLbl>
-  <dgm:styleLbl name="parChTrans1D3">
-    <dgm:fillClrLst meth="repeat">
-      <a:schemeClr val="accent1"/>
-    </dgm:fillClrLst>
-    <dgm:linClrLst meth="repeat">
-      <a:schemeClr val="accent1">
-        <a:shade val="80000"/>
-      </a:schemeClr>
-    </dgm:linClrLst>
-    <dgm:effectClrLst/>
-    <dgm:txLinClrLst/>
-    <dgm:txFillClrLst meth="repeat">
-      <a:schemeClr val="tx1"/>
-    </dgm:txFillClrLst>
-    <dgm:txEffectClrLst/>
-  </dgm:styleLbl>
-  <dgm:styleLbl name="parChTrans1D4">
-    <dgm:fillClrLst meth="repeat">
-      <a:schemeClr val="accent1"/>
-    </dgm:fillClrLst>
-    <dgm:linClrLst meth="repeat">
-      <a:schemeClr val="accent1">
-        <a:shade val="80000"/>
-      </a:schemeClr>
-    </dgm:linClrLst>
-    <dgm:effectClrLst/>
-    <dgm:txLinClrLst/>
-    <dgm:txFillClrLst meth="repeat">
-      <a:schemeClr val="tx1"/>
-    </dgm:txFillClrLst>
-    <dgm:txEffectClrLst/>
-  </dgm:styleLbl>
-  <dgm:styleLbl name="fgAcc1">
-    <dgm:fillClrLst meth="repeat">
-      <a:schemeClr val="lt1">
-        <a:alpha val="90000"/>
-      </a:schemeClr>
-    </dgm:fillClrLst>
-    <dgm:linClrLst meth="repeat">
-      <a:schemeClr val="accent1"/>
+      <a:schemeClr val="lt2"/>
     </dgm:linClrLst>
     <dgm:effectClrLst/>
     <dgm:txLinClrLst/>
@@ -2982,304 +3281,9 @@
     </dgm:txFillClrLst>
     <dgm:txEffectClrLst/>
   </dgm:styleLbl>
-  <dgm:styleLbl name="conFgAcc1">
-    <dgm:fillClrLst meth="repeat">
-      <a:schemeClr val="lt1">
-        <a:alpha val="90000"/>
-      </a:schemeClr>
-    </dgm:fillClrLst>
-    <dgm:linClrLst meth="repeat">
-      <a:schemeClr val="accent1"/>
-    </dgm:linClrLst>
-    <dgm:effectClrLst/>
-    <dgm:txLinClrLst/>
-    <dgm:txFillClrLst meth="repeat">
-      <a:schemeClr val="dk1"/>
-    </dgm:txFillClrLst>
-    <dgm:txEffectClrLst/>
-  </dgm:styleLbl>
-  <dgm:styleLbl name="alignAcc1">
-    <dgm:fillClrLst meth="repeat">
-      <a:schemeClr val="lt1">
-        <a:alpha val="90000"/>
-      </a:schemeClr>
-    </dgm:fillClrLst>
-    <dgm:linClrLst meth="repeat">
-      <a:schemeClr val="accent1"/>
-    </dgm:linClrLst>
-    <dgm:effectClrLst/>
-    <dgm:txLinClrLst/>
-    <dgm:txFillClrLst meth="repeat">
-      <a:schemeClr val="dk1"/>
-    </dgm:txFillClrLst>
-    <dgm:txEffectClrLst/>
-  </dgm:styleLbl>
-  <dgm:styleLbl name="trAlignAcc1">
-    <dgm:fillClrLst meth="repeat">
-      <a:schemeClr val="lt1">
-        <a:alpha val="40000"/>
-      </a:schemeClr>
-    </dgm:fillClrLst>
-    <dgm:linClrLst meth="repeat">
-      <a:schemeClr val="accent1"/>
-    </dgm:linClrLst>
-    <dgm:effectClrLst/>
-    <dgm:txLinClrLst/>
-    <dgm:txFillClrLst meth="repeat">
-      <a:schemeClr val="dk1"/>
-    </dgm:txFillClrLst>
-    <dgm:txEffectClrLst/>
-  </dgm:styleLbl>
-  <dgm:styleLbl name="bgAcc1">
-    <dgm:fillClrLst meth="repeat">
-      <a:schemeClr val="lt1">
-        <a:alpha val="90000"/>
-      </a:schemeClr>
-    </dgm:fillClrLst>
-    <dgm:linClrLst meth="repeat">
-      <a:schemeClr val="accent1"/>
-    </dgm:linClrLst>
-    <dgm:effectClrLst/>
-    <dgm:txLinClrLst/>
-    <dgm:txFillClrLst meth="repeat">
-      <a:schemeClr val="dk1"/>
-    </dgm:txFillClrLst>
-    <dgm:txEffectClrLst/>
-  </dgm:styleLbl>
-  <dgm:styleLbl name="solidFgAcc1">
-    <dgm:fillClrLst meth="repeat">
-      <a:schemeClr val="lt1"/>
-    </dgm:fillClrLst>
-    <dgm:linClrLst meth="repeat">
-      <a:schemeClr val="accent1"/>
-    </dgm:linClrLst>
-    <dgm:effectClrLst/>
-    <dgm:txLinClrLst/>
-    <dgm:txFillClrLst meth="repeat">
-      <a:schemeClr val="dk1"/>
-    </dgm:txFillClrLst>
-    <dgm:txEffectClrLst/>
-  </dgm:styleLbl>
-  <dgm:styleLbl name="solidAlignAcc1">
-    <dgm:fillClrLst meth="repeat">
-      <a:schemeClr val="lt1"/>
-    </dgm:fillClrLst>
-    <dgm:linClrLst meth="repeat">
-      <a:schemeClr val="accent1"/>
-    </dgm:linClrLst>
-    <dgm:effectClrLst/>
-    <dgm:txLinClrLst/>
-    <dgm:txFillClrLst meth="repeat">
-      <a:schemeClr val="dk1"/>
-    </dgm:txFillClrLst>
-    <dgm:txEffectClrLst/>
-  </dgm:styleLbl>
-  <dgm:styleLbl name="solidBgAcc1">
-    <dgm:fillClrLst meth="repeat">
-      <a:schemeClr val="lt1"/>
-    </dgm:fillClrLst>
-    <dgm:linClrLst meth="repeat">
-      <a:schemeClr val="accent1"/>
-    </dgm:linClrLst>
-    <dgm:effectClrLst/>
-    <dgm:txLinClrLst/>
-    <dgm:txFillClrLst meth="repeat">
-      <a:schemeClr val="dk1"/>
-    </dgm:txFillClrLst>
-    <dgm:txEffectClrLst/>
-  </dgm:styleLbl>
-  <dgm:styleLbl name="fgAccFollowNode1">
-    <dgm:fillClrLst meth="repeat">
-      <a:schemeClr val="accent1">
-        <a:alpha val="90000"/>
-        <a:tint val="40000"/>
-      </a:schemeClr>
-    </dgm:fillClrLst>
-    <dgm:linClrLst meth="repeat">
-      <a:schemeClr val="accent1">
-        <a:alpha val="90000"/>
-        <a:tint val="40000"/>
-      </a:schemeClr>
-    </dgm:linClrLst>
-    <dgm:effectClrLst/>
-    <dgm:txLinClrLst/>
-    <dgm:txFillClrLst meth="repeat">
-      <a:schemeClr val="dk1"/>
-    </dgm:txFillClrLst>
-    <dgm:txEffectClrLst/>
-  </dgm:styleLbl>
-  <dgm:styleLbl name="alignAccFollowNode1">
-    <dgm:fillClrLst meth="repeat">
-      <a:schemeClr val="accent1">
-        <a:alpha val="90000"/>
-        <a:tint val="40000"/>
-      </a:schemeClr>
-    </dgm:fillClrLst>
-    <dgm:linClrLst meth="repeat">
-      <a:schemeClr val="accent1">
-        <a:alpha val="90000"/>
-        <a:tint val="40000"/>
-      </a:schemeClr>
-    </dgm:linClrLst>
-    <dgm:effectClrLst/>
-    <dgm:txLinClrLst/>
-    <dgm:txFillClrLst meth="repeat">
-      <a:schemeClr val="dk1"/>
-    </dgm:txFillClrLst>
-    <dgm:txEffectClrLst/>
-  </dgm:styleLbl>
-  <dgm:styleLbl name="bgAccFollowNode1">
-    <dgm:fillClrLst meth="repeat">
-      <a:schemeClr val="accent1">
-        <a:alpha val="90000"/>
-        <a:tint val="40000"/>
-      </a:schemeClr>
-    </dgm:fillClrLst>
-    <dgm:linClrLst meth="repeat">
-      <a:schemeClr val="accent1">
-        <a:alpha val="90000"/>
-        <a:tint val="40000"/>
-      </a:schemeClr>
-    </dgm:linClrLst>
-    <dgm:effectClrLst/>
-    <dgm:txLinClrLst/>
-    <dgm:txFillClrLst meth="repeat">
-      <a:schemeClr val="dk1"/>
-    </dgm:txFillClrLst>
-    <dgm:txEffectClrLst/>
-  </dgm:styleLbl>
-  <dgm:styleLbl name="fgAcc0">
-    <dgm:fillClrLst meth="repeat">
-      <a:schemeClr val="lt1">
-        <a:alpha val="90000"/>
-      </a:schemeClr>
-    </dgm:fillClrLst>
-    <dgm:linClrLst meth="repeat">
-      <a:schemeClr val="accent1"/>
-    </dgm:linClrLst>
-    <dgm:effectClrLst/>
-    <dgm:txLinClrLst/>
-    <dgm:txFillClrLst meth="repeat">
-      <a:schemeClr val="dk1"/>
-    </dgm:txFillClrLst>
-    <dgm:txEffectClrLst/>
-  </dgm:styleLbl>
-  <dgm:styleLbl name="fgAcc2">
-    <dgm:fillClrLst meth="repeat">
-      <a:schemeClr val="lt1">
-        <a:alpha val="90000"/>
-      </a:schemeClr>
-    </dgm:fillClrLst>
-    <dgm:linClrLst meth="repeat">
-      <a:schemeClr val="accent1"/>
-    </dgm:linClrLst>
-    <dgm:effectClrLst/>
-    <dgm:txLinClrLst/>
-    <dgm:txFillClrLst meth="repeat">
-      <a:schemeClr val="dk1"/>
-    </dgm:txFillClrLst>
-    <dgm:txEffectClrLst/>
-  </dgm:styleLbl>
-  <dgm:styleLbl name="fgAcc3">
-    <dgm:fillClrLst meth="repeat">
-      <a:schemeClr val="lt1">
-        <a:alpha val="90000"/>
-      </a:schemeClr>
-    </dgm:fillClrLst>
-    <dgm:linClrLst meth="repeat">
-      <a:schemeClr val="accent1"/>
-    </dgm:linClrLst>
-    <dgm:effectClrLst/>
-    <dgm:txLinClrLst/>
-    <dgm:txFillClrLst meth="repeat">
-      <a:schemeClr val="dk1"/>
-    </dgm:txFillClrLst>
-    <dgm:txEffectClrLst/>
-  </dgm:styleLbl>
-  <dgm:styleLbl name="fgAcc4">
-    <dgm:fillClrLst meth="repeat">
-      <a:schemeClr val="lt1">
-        <a:alpha val="90000"/>
-      </a:schemeClr>
-    </dgm:fillClrLst>
-    <dgm:linClrLst meth="repeat">
-      <a:schemeClr val="accent1"/>
-    </dgm:linClrLst>
-    <dgm:effectClrLst/>
-    <dgm:txLinClrLst/>
-    <dgm:txFillClrLst meth="repeat">
-      <a:schemeClr val="dk1"/>
-    </dgm:txFillClrLst>
-    <dgm:txEffectClrLst/>
-  </dgm:styleLbl>
-  <dgm:styleLbl name="bgShp">
-    <dgm:fillClrLst meth="repeat">
-      <a:schemeClr val="bg1">
-        <a:lumMod val="95000"/>
-      </a:schemeClr>
-    </dgm:fillClrLst>
-    <dgm:linClrLst meth="repeat">
-      <a:schemeClr val="accent1"/>
-    </dgm:linClrLst>
-    <dgm:effectClrLst/>
-    <dgm:txLinClrLst/>
-    <dgm:txFillClrLst meth="repeat">
-      <a:schemeClr val="dk1"/>
-    </dgm:txFillClrLst>
-    <dgm:txEffectClrLst/>
-  </dgm:styleLbl>
-  <dgm:styleLbl name="dkBgShp">
-    <dgm:fillClrLst meth="repeat">
-      <a:schemeClr val="accent1">
-        <a:shade val="80000"/>
-      </a:schemeClr>
-    </dgm:fillClrLst>
-    <dgm:linClrLst meth="repeat">
-      <a:schemeClr val="accent1"/>
-    </dgm:linClrLst>
-    <dgm:effectClrLst/>
-    <dgm:txLinClrLst/>
-    <dgm:txFillClrLst meth="repeat">
-      <a:schemeClr val="lt1"/>
-    </dgm:txFillClrLst>
-    <dgm:txEffectClrLst/>
-  </dgm:styleLbl>
-  <dgm:styleLbl name="trBgShp">
-    <dgm:fillClrLst meth="repeat">
-      <a:schemeClr val="accent1">
-        <a:tint val="50000"/>
-        <a:alpha val="40000"/>
-      </a:schemeClr>
-    </dgm:fillClrLst>
-    <dgm:linClrLst meth="repeat">
-      <a:schemeClr val="accent1"/>
-    </dgm:linClrLst>
-    <dgm:effectClrLst/>
-    <dgm:txLinClrLst/>
-    <dgm:txFillClrLst meth="repeat">
-      <a:schemeClr val="lt1"/>
-    </dgm:txFillClrLst>
-    <dgm:txEffectClrLst/>
-  </dgm:styleLbl>
-  <dgm:styleLbl name="fgShp">
-    <dgm:fillClrLst meth="repeat">
-      <a:schemeClr val="accent1">
-        <a:tint val="60000"/>
-      </a:schemeClr>
-    </dgm:fillClrLst>
-    <dgm:linClrLst meth="repeat">
-      <a:schemeClr val="lt1"/>
-    </dgm:linClrLst>
-    <dgm:effectClrLst/>
-    <dgm:txLinClrLst/>
-    <dgm:txFillClrLst meth="repeat">
-      <a:schemeClr val="dk1"/>
-    </dgm:txFillClrLst>
-    <dgm:txEffectClrLst/>
-  </dgm:styleLbl>
   <dgm:styleLbl name="revTx">
     <dgm:fillClrLst meth="repeat">
-      <a:schemeClr val="lt1">
+      <a:schemeClr val="lt2">
         <a:alpha val="0"/>
       </a:schemeClr>
     </dgm:fillClrLst>
@@ -4386,7 +4390,7 @@
 <dgm:dataModel xmlns:dgm="http://schemas.openxmlformats.org/drawingml/2006/diagram" xmlns:a="http://schemas.openxmlformats.org/drawingml/2006/main">
   <dgm:ptLst>
     <dgm:pt modelId="{8E21CF1A-28B3-40DA-BC02-8464ADAF75CA}" type="doc">
-      <dgm:prSet loTypeId="urn:microsoft.com/office/officeart/2018/5/layout/IconCircleLabelList" loCatId="icon" qsTypeId="urn:microsoft.com/office/officeart/2005/8/quickstyle/simple1" qsCatId="simple" csTypeId="urn:microsoft.com/office/officeart/2018/5/colors/Iconchunking_neutralbg_accent1_2" csCatId="accent1" phldr="1"/>
+      <dgm:prSet loTypeId="urn:microsoft.com/office/officeart/2018/5/layout/IconCircleLabelList" loCatId="icon" qsTypeId="urn:microsoft.com/office/officeart/2005/8/quickstyle/simple1" qsCatId="simple" csTypeId="urn:microsoft.com/office/officeart/2018/5/colors/Iconchunking_neutralicon_accent0_3" csCatId="mainScheme" phldr="1"/>
       <dgm:spPr/>
       <dgm:t>
         <a:bodyPr/>
@@ -4440,45 +4444,6 @@
         </a:p>
       </dgm:t>
     </dgm:pt>
-    <dgm:pt modelId="{A36BCC9B-9E60-413B-83D0-53525D09CD78}">
-      <dgm:prSet/>
-      <dgm:spPr/>
-      <dgm:t>
-        <a:bodyPr/>
-        <a:lstStyle/>
-        <a:p>
-          <a:pPr>
-            <a:defRPr cap="all"/>
-          </a:pPr>
-          <a:r>
-            <a:rPr lang="en-US"/>
-            <a:t>Video Demo: [Link]</a:t>
-          </a:r>
-        </a:p>
-      </dgm:t>
-    </dgm:pt>
-    <dgm:pt modelId="{3EE4A0CF-85B8-4E47-8059-A7C2D1FE06AB}" type="parTrans" cxnId="{ED5112BD-74E6-45A3-A9C3-22F9E680687A}">
-      <dgm:prSet/>
-      <dgm:spPr/>
-      <dgm:t>
-        <a:bodyPr/>
-        <a:lstStyle/>
-        <a:p>
-          <a:endParaRPr lang="en-US"/>
-        </a:p>
-      </dgm:t>
-    </dgm:pt>
-    <dgm:pt modelId="{2FA62FF7-062C-41A5-9CBF-C5CD85894FF7}" type="sibTrans" cxnId="{ED5112BD-74E6-45A3-A9C3-22F9E680687A}">
-      <dgm:prSet/>
-      <dgm:spPr/>
-      <dgm:t>
-        <a:bodyPr/>
-        <a:lstStyle/>
-        <a:p>
-          <a:endParaRPr lang="en-US"/>
-        </a:p>
-      </dgm:t>
-    </dgm:pt>
     <dgm:pt modelId="{D0A7EA0D-314B-4323-8091-794D336338D0}" type="pres">
       <dgm:prSet presAssocID="{8E21CF1A-28B3-40DA-BC02-8464ADAF75CA}" presName="root" presStyleCnt="0">
         <dgm:presLayoutVars>
@@ -4493,11 +4458,11 @@
       <dgm:spPr/>
     </dgm:pt>
     <dgm:pt modelId="{23E1F6A5-B76E-4D5F-A024-7D9A4D1C2A8A}" type="pres">
-      <dgm:prSet presAssocID="{3159B619-C01F-403E-9B5B-BF188BD62DCF}" presName="iconBgRect" presStyleLbl="bgShp" presStyleIdx="0" presStyleCnt="2"/>
+      <dgm:prSet presAssocID="{3159B619-C01F-403E-9B5B-BF188BD62DCF}" presName="iconBgRect" presStyleLbl="bgShp" presStyleIdx="0" presStyleCnt="1"/>
       <dgm:spPr/>
     </dgm:pt>
     <dgm:pt modelId="{9280936C-4AEE-4791-A088-8263967D2737}" type="pres">
-      <dgm:prSet presAssocID="{3159B619-C01F-403E-9B5B-BF188BD62DCF}" presName="iconRect" presStyleLbl="node1" presStyleIdx="0" presStyleCnt="2"/>
+      <dgm:prSet presAssocID="{3159B619-C01F-403E-9B5B-BF188BD62DCF}" presName="iconRect" presStyleLbl="node1" presStyleIdx="0" presStyleCnt="1"/>
       <dgm:spPr>
         <a:blipFill>
           <a:blip xmlns:r="http://schemas.openxmlformats.org/officeDocument/2006/relationships" r:embed="rId1">
@@ -4529,60 +4494,7 @@
       <dgm:spPr/>
     </dgm:pt>
     <dgm:pt modelId="{20CCED58-B748-49D1-9C2D-69FE197A431B}" type="pres">
-      <dgm:prSet presAssocID="{3159B619-C01F-403E-9B5B-BF188BD62DCF}" presName="textRect" presStyleLbl="revTx" presStyleIdx="0" presStyleCnt="2">
-        <dgm:presLayoutVars>
-          <dgm:chMax val="1"/>
-          <dgm:chPref val="1"/>
-        </dgm:presLayoutVars>
-      </dgm:prSet>
-      <dgm:spPr/>
-    </dgm:pt>
-    <dgm:pt modelId="{4F10BFD6-2CD9-4C5B-9816-942D7BBD827B}" type="pres">
-      <dgm:prSet presAssocID="{743AC615-E3F8-4B0C-B682-8821D53448AF}" presName="sibTrans" presStyleCnt="0"/>
-      <dgm:spPr/>
-    </dgm:pt>
-    <dgm:pt modelId="{0E88A406-D514-475D-BD25-043A11416C38}" type="pres">
-      <dgm:prSet presAssocID="{A36BCC9B-9E60-413B-83D0-53525D09CD78}" presName="compNode" presStyleCnt="0"/>
-      <dgm:spPr/>
-    </dgm:pt>
-    <dgm:pt modelId="{C8CE2212-A669-44B7-8B3A-0736B220B6A1}" type="pres">
-      <dgm:prSet presAssocID="{A36BCC9B-9E60-413B-83D0-53525D09CD78}" presName="iconBgRect" presStyleLbl="bgShp" presStyleIdx="1" presStyleCnt="2"/>
-      <dgm:spPr/>
-    </dgm:pt>
-    <dgm:pt modelId="{E035FEB8-3A39-473E-A761-42F12195CAB0}" type="pres">
-      <dgm:prSet presAssocID="{A36BCC9B-9E60-413B-83D0-53525D09CD78}" presName="iconRect" presStyleLbl="node1" presStyleIdx="1" presStyleCnt="2"/>
-      <dgm:spPr>
-        <a:blipFill>
-          <a:blip xmlns:r="http://schemas.openxmlformats.org/officeDocument/2006/relationships" r:embed="rId3">
-            <a:extLst>
-              <a:ext uri="{28A0092B-C50C-407E-A947-70E740481C1C}">
-                <a14:useLocalDpi xmlns:a14="http://schemas.microsoft.com/office/drawing/2010/main" val="0"/>
-              </a:ext>
-              <a:ext uri="{96DAC541-7B7A-43D3-8B79-37D633B846F1}">
-                <asvg:svgBlip xmlns:asvg="http://schemas.microsoft.com/office/drawing/2016/SVG/main" r:embed="rId4"/>
-              </a:ext>
-            </a:extLst>
-          </a:blip>
-          <a:stretch>
-            <a:fillRect/>
-          </a:stretch>
-        </a:blipFill>
-        <a:ln>
-          <a:noFill/>
-        </a:ln>
-      </dgm:spPr>
-      <dgm:extLst>
-        <a:ext uri="{E40237B7-FDA0-4F09-8148-C483321AD2D9}">
-          <dgm14:cNvPr xmlns:dgm14="http://schemas.microsoft.com/office/drawing/2010/diagram" id="0" name="" descr="Link"/>
-        </a:ext>
-      </dgm:extLst>
-    </dgm:pt>
-    <dgm:pt modelId="{B6C9629B-5417-422C-8297-CBE6D0C61095}" type="pres">
-      <dgm:prSet presAssocID="{A36BCC9B-9E60-413B-83D0-53525D09CD78}" presName="spaceRect" presStyleCnt="0"/>
-      <dgm:spPr/>
-    </dgm:pt>
-    <dgm:pt modelId="{167401AF-81A2-4CCD-B218-5E19585F85E2}" type="pres">
-      <dgm:prSet presAssocID="{A36BCC9B-9E60-413B-83D0-53525D09CD78}" presName="textRect" presStyleLbl="revTx" presStyleIdx="1" presStyleCnt="2">
+      <dgm:prSet presAssocID="{3159B619-C01F-403E-9B5B-BF188BD62DCF}" presName="textRect" presStyleLbl="revTx" presStyleIdx="0" presStyleCnt="1">
         <dgm:presLayoutVars>
           <dgm:chMax val="1"/>
           <dgm:chPref val="1"/>
@@ -4592,22 +4504,14 @@
     </dgm:pt>
   </dgm:ptLst>
   <dgm:cxnLst>
-    <dgm:cxn modelId="{6ACB9024-EB56-430E-88FB-6D8AB61E9DEB}" type="presOf" srcId="{A36BCC9B-9E60-413B-83D0-53525D09CD78}" destId="{167401AF-81A2-4CCD-B218-5E19585F85E2}" srcOrd="0" destOrd="0" presId="urn:microsoft.com/office/officeart/2018/5/layout/IconCircleLabelList"/>
     <dgm:cxn modelId="{47707A3F-1F2B-41BA-9D1A-AC13881A700C}" type="presOf" srcId="{8E21CF1A-28B3-40DA-BC02-8464ADAF75CA}" destId="{D0A7EA0D-314B-4323-8091-794D336338D0}" srcOrd="0" destOrd="0" presId="urn:microsoft.com/office/officeart/2018/5/layout/IconCircleLabelList"/>
     <dgm:cxn modelId="{D698E65F-377F-4A00-BE4F-F064EC4500C1}" srcId="{8E21CF1A-28B3-40DA-BC02-8464ADAF75CA}" destId="{3159B619-C01F-403E-9B5B-BF188BD62DCF}" srcOrd="0" destOrd="0" parTransId="{AECF6051-E1CC-49E7-BF72-5A5D61D5FD6A}" sibTransId="{743AC615-E3F8-4B0C-B682-8821D53448AF}"/>
-    <dgm:cxn modelId="{ED5112BD-74E6-45A3-A9C3-22F9E680687A}" srcId="{8E21CF1A-28B3-40DA-BC02-8464ADAF75CA}" destId="{A36BCC9B-9E60-413B-83D0-53525D09CD78}" srcOrd="1" destOrd="0" parTransId="{3EE4A0CF-85B8-4E47-8059-A7C2D1FE06AB}" sibTransId="{2FA62FF7-062C-41A5-9CBF-C5CD85894FF7}"/>
     <dgm:cxn modelId="{DF10F4D3-1803-4939-BC6E-2DB6D2240236}" type="presOf" srcId="{3159B619-C01F-403E-9B5B-BF188BD62DCF}" destId="{20CCED58-B748-49D1-9C2D-69FE197A431B}" srcOrd="0" destOrd="0" presId="urn:microsoft.com/office/officeart/2018/5/layout/IconCircleLabelList"/>
     <dgm:cxn modelId="{7F88FCA4-6191-4CD7-A6D7-61050C0F0890}" type="presParOf" srcId="{D0A7EA0D-314B-4323-8091-794D336338D0}" destId="{2401FEF2-B5ED-4A6C-AB35-B0353C4734AC}" srcOrd="0" destOrd="0" presId="urn:microsoft.com/office/officeart/2018/5/layout/IconCircleLabelList"/>
     <dgm:cxn modelId="{A956D77F-FDA2-49D2-97B6-3C545C80EE9D}" type="presParOf" srcId="{2401FEF2-B5ED-4A6C-AB35-B0353C4734AC}" destId="{23E1F6A5-B76E-4D5F-A024-7D9A4D1C2A8A}" srcOrd="0" destOrd="0" presId="urn:microsoft.com/office/officeart/2018/5/layout/IconCircleLabelList"/>
     <dgm:cxn modelId="{684041CD-2636-49C5-9ECC-A7FCE18AD2BA}" type="presParOf" srcId="{2401FEF2-B5ED-4A6C-AB35-B0353C4734AC}" destId="{9280936C-4AEE-4791-A088-8263967D2737}" srcOrd="1" destOrd="0" presId="urn:microsoft.com/office/officeart/2018/5/layout/IconCircleLabelList"/>
     <dgm:cxn modelId="{F7DDA249-F4D6-4D78-A2AE-BB87430AB73F}" type="presParOf" srcId="{2401FEF2-B5ED-4A6C-AB35-B0353C4734AC}" destId="{B70D3A2E-24CD-44D1-A5F1-91F553280405}" srcOrd="2" destOrd="0" presId="urn:microsoft.com/office/officeart/2018/5/layout/IconCircleLabelList"/>
     <dgm:cxn modelId="{75AEB0A3-484A-46DC-9461-BF4ADBE7BEAE}" type="presParOf" srcId="{2401FEF2-B5ED-4A6C-AB35-B0353C4734AC}" destId="{20CCED58-B748-49D1-9C2D-69FE197A431B}" srcOrd="3" destOrd="0" presId="urn:microsoft.com/office/officeart/2018/5/layout/IconCircleLabelList"/>
-    <dgm:cxn modelId="{51F46FED-BC0C-468A-A54E-47C7B1B006E7}" type="presParOf" srcId="{D0A7EA0D-314B-4323-8091-794D336338D0}" destId="{4F10BFD6-2CD9-4C5B-9816-942D7BBD827B}" srcOrd="1" destOrd="0" presId="urn:microsoft.com/office/officeart/2018/5/layout/IconCircleLabelList"/>
-    <dgm:cxn modelId="{CF3D41B3-0B84-42E0-B989-939266A0E8FE}" type="presParOf" srcId="{D0A7EA0D-314B-4323-8091-794D336338D0}" destId="{0E88A406-D514-475D-BD25-043A11416C38}" srcOrd="2" destOrd="0" presId="urn:microsoft.com/office/officeart/2018/5/layout/IconCircleLabelList"/>
-    <dgm:cxn modelId="{35F92419-44C1-4FD1-AE34-34F2FAF4CE41}" type="presParOf" srcId="{0E88A406-D514-475D-BD25-043A11416C38}" destId="{C8CE2212-A669-44B7-8B3A-0736B220B6A1}" srcOrd="0" destOrd="0" presId="urn:microsoft.com/office/officeart/2018/5/layout/IconCircleLabelList"/>
-    <dgm:cxn modelId="{EEDF1D78-FA52-4CA5-A06D-B8694AFA7B32}" type="presParOf" srcId="{0E88A406-D514-475D-BD25-043A11416C38}" destId="{E035FEB8-3A39-473E-A761-42F12195CAB0}" srcOrd="1" destOrd="0" presId="urn:microsoft.com/office/officeart/2018/5/layout/IconCircleLabelList"/>
-    <dgm:cxn modelId="{D9F51C60-35D8-4450-99EA-381C887F4799}" type="presParOf" srcId="{0E88A406-D514-475D-BD25-043A11416C38}" destId="{B6C9629B-5417-422C-8297-CBE6D0C61095}" srcOrd="2" destOrd="0" presId="urn:microsoft.com/office/officeart/2018/5/layout/IconCircleLabelList"/>
-    <dgm:cxn modelId="{1060D463-E08A-436A-982B-CC5C98CA1E54}" type="presParOf" srcId="{0E88A406-D514-475D-BD25-043A11416C38}" destId="{167401AF-81A2-4CCD-B218-5E19585F85E2}" srcOrd="3" destOrd="0" presId="urn:microsoft.com/office/officeart/2018/5/layout/IconCircleLabelList"/>
   </dgm:cxnLst>
   <dgm:bg/>
   <dgm:whole/>
@@ -6435,15 +6339,14 @@
       </dsp:nvSpPr>
       <dsp:spPr>
         <a:xfrm>
-          <a:off x="730349" y="375668"/>
+          <a:off x="2845349" y="375668"/>
           <a:ext cx="2196000" cy="2196000"/>
         </a:xfrm>
         <a:prstGeom prst="ellipse">
           <a:avLst/>
         </a:prstGeom>
         <a:solidFill>
-          <a:schemeClr val="bg1">
-            <a:lumMod val="95000"/>
+          <a:schemeClr val="dk2">
             <a:hueOff val="0"/>
             <a:satOff val="0"/>
             <a:lumOff val="0"/>
@@ -6475,7 +6378,7 @@
       </dsp:nvSpPr>
       <dsp:spPr>
         <a:xfrm>
-          <a:off x="1198349" y="843669"/>
+          <a:off x="3313349" y="843669"/>
           <a:ext cx="1260000" cy="1260000"/>
         </a:xfrm>
         <a:prstGeom prst="rect">
@@ -6524,7 +6427,7 @@
       </dsp:nvSpPr>
       <dsp:spPr>
         <a:xfrm>
-          <a:off x="28349" y="3255669"/>
+          <a:off x="2143349" y="3255669"/>
           <a:ext cx="3600000" cy="720000"/>
         </a:xfrm>
         <a:prstGeom prst="rect">
@@ -6579,157 +6482,7 @@
         </a:p>
       </dsp:txBody>
       <dsp:txXfrm>
-        <a:off x="28349" y="3255669"/>
-        <a:ext cx="3600000" cy="720000"/>
-      </dsp:txXfrm>
-    </dsp:sp>
-    <dsp:sp modelId="{C8CE2212-A669-44B7-8B3A-0736B220B6A1}">
-      <dsp:nvSpPr>
-        <dsp:cNvPr id="0" name=""/>
-        <dsp:cNvSpPr/>
-      </dsp:nvSpPr>
-      <dsp:spPr>
-        <a:xfrm>
-          <a:off x="4960350" y="375668"/>
-          <a:ext cx="2196000" cy="2196000"/>
-        </a:xfrm>
-        <a:prstGeom prst="ellipse">
-          <a:avLst/>
-        </a:prstGeom>
-        <a:solidFill>
-          <a:schemeClr val="bg1">
-            <a:lumMod val="95000"/>
-            <a:hueOff val="0"/>
-            <a:satOff val="0"/>
-            <a:lumOff val="0"/>
-            <a:alphaOff val="0"/>
-          </a:schemeClr>
-        </a:solidFill>
-        <a:ln>
-          <a:noFill/>
-        </a:ln>
-        <a:effectLst/>
-      </dsp:spPr>
-      <dsp:style>
-        <a:lnRef idx="0">
-          <a:scrgbClr r="0" g="0" b="0"/>
-        </a:lnRef>
-        <a:fillRef idx="1">
-          <a:scrgbClr r="0" g="0" b="0"/>
-        </a:fillRef>
-        <a:effectRef idx="0">
-          <a:scrgbClr r="0" g="0" b="0"/>
-        </a:effectRef>
-        <a:fontRef idx="minor"/>
-      </dsp:style>
-    </dsp:sp>
-    <dsp:sp modelId="{E035FEB8-3A39-473E-A761-42F12195CAB0}">
-      <dsp:nvSpPr>
-        <dsp:cNvPr id="0" name=""/>
-        <dsp:cNvSpPr/>
-      </dsp:nvSpPr>
-      <dsp:spPr>
-        <a:xfrm>
-          <a:off x="5428350" y="843669"/>
-          <a:ext cx="1260000" cy="1260000"/>
-        </a:xfrm>
-        <a:prstGeom prst="rect">
-          <a:avLst/>
-        </a:prstGeom>
-        <a:blipFill>
-          <a:blip xmlns:r="http://schemas.openxmlformats.org/officeDocument/2006/relationships" r:embed="rId3">
-            <a:extLst>
-              <a:ext uri="{28A0092B-C50C-407E-A947-70E740481C1C}">
-                <a14:useLocalDpi xmlns:a14="http://schemas.microsoft.com/office/drawing/2010/main" val="0"/>
-              </a:ext>
-              <a:ext uri="{96DAC541-7B7A-43D3-8B79-37D633B846F1}">
-                <asvg:svgBlip xmlns:asvg="http://schemas.microsoft.com/office/drawing/2016/SVG/main" r:embed="rId4"/>
-              </a:ext>
-            </a:extLst>
-          </a:blip>
-          <a:stretch>
-            <a:fillRect/>
-          </a:stretch>
-        </a:blipFill>
-        <a:ln w="25400" cap="flat" cmpd="sng" algn="ctr">
-          <a:noFill/>
-          <a:prstDash val="solid"/>
-        </a:ln>
-        <a:effectLst/>
-      </dsp:spPr>
-      <dsp:style>
-        <a:lnRef idx="2">
-          <a:scrgbClr r="0" g="0" b="0"/>
-        </a:lnRef>
-        <a:fillRef idx="1">
-          <a:scrgbClr r="0" g="0" b="0"/>
-        </a:fillRef>
-        <a:effectRef idx="0">
-          <a:scrgbClr r="0" g="0" b="0"/>
-        </a:effectRef>
-        <a:fontRef idx="minor">
-          <a:schemeClr val="lt1"/>
-        </a:fontRef>
-      </dsp:style>
-    </dsp:sp>
-    <dsp:sp modelId="{167401AF-81A2-4CCD-B218-5E19585F85E2}">
-      <dsp:nvSpPr>
-        <dsp:cNvPr id="0" name=""/>
-        <dsp:cNvSpPr/>
-      </dsp:nvSpPr>
-      <dsp:spPr>
-        <a:xfrm>
-          <a:off x="4258350" y="3255669"/>
-          <a:ext cx="3600000" cy="720000"/>
-        </a:xfrm>
-        <a:prstGeom prst="rect">
-          <a:avLst/>
-        </a:prstGeom>
-        <a:noFill/>
-        <a:ln>
-          <a:noFill/>
-        </a:ln>
-        <a:effectLst/>
-      </dsp:spPr>
-      <dsp:style>
-        <a:lnRef idx="0">
-          <a:scrgbClr r="0" g="0" b="0"/>
-        </a:lnRef>
-        <a:fillRef idx="0">
-          <a:scrgbClr r="0" g="0" b="0"/>
-        </a:fillRef>
-        <a:effectRef idx="0">
-          <a:scrgbClr r="0" g="0" b="0"/>
-        </a:effectRef>
-        <a:fontRef idx="minor"/>
-      </dsp:style>
-      <dsp:txBody>
-        <a:bodyPr spcFirstLastPara="0" vert="horz" wrap="square" lIns="0" tIns="0" rIns="0" bIns="0" numCol="1" spcCol="1270" anchor="t" anchorCtr="0">
-          <a:noAutofit/>
-        </a:bodyPr>
-        <a:lstStyle/>
-        <a:p>
-          <a:pPr marL="0" lvl="0" indent="0" algn="ctr" defTabSz="577850">
-            <a:lnSpc>
-              <a:spcPct val="90000"/>
-            </a:lnSpc>
-            <a:spcBef>
-              <a:spcPct val="0"/>
-            </a:spcBef>
-            <a:spcAft>
-              <a:spcPct val="35000"/>
-            </a:spcAft>
-            <a:buNone/>
-            <a:defRPr cap="all"/>
-          </a:pPr>
-          <a:r>
-            <a:rPr lang="en-US" sz="1300" kern="1200"/>
-            <a:t>Video Demo: [Link]</a:t>
-          </a:r>
-        </a:p>
-      </dsp:txBody>
-      <dsp:txXfrm>
-        <a:off x="4258350" y="3255669"/>
+        <a:off x="2143349" y="3255669"/>
         <a:ext cx="3600000" cy="720000"/>
       </dsp:txXfrm>
     </dsp:sp>
@@ -15502,7 +15255,7 @@
       </p:grpSpPr>
       <p:sp>
         <p:nvSpPr>
-          <p:cNvPr id="10" name="Rectangle 9">
+          <p:cNvPr id="24" name="Rectangle 23">
             <a:extLst>
               <a:ext uri="{FF2B5EF4-FFF2-40B4-BE49-F238E27FC236}">
                 <a16:creationId xmlns:a16="http://schemas.microsoft.com/office/drawing/2014/main" id="{9228552E-C8B1-4A80-8448-0787CE0FC704}"/>
@@ -15565,7 +15318,7 @@
       </p:sp>
       <p:pic>
         <p:nvPicPr>
-          <p:cNvPr id="6" name="Picture 5">
+          <p:cNvPr id="6" name="Picture 5" descr="A close-up of a blue ribbon&#10;&#10;AI-generated content may be incorrect.">
             <a:extLst>
               <a:ext uri="{FF2B5EF4-FFF2-40B4-BE49-F238E27FC236}">
                 <a16:creationId xmlns:a16="http://schemas.microsoft.com/office/drawing/2014/main" id="{2E96A445-1DBC-1BD7-7E08-F45DDC29B756}"/>
@@ -15643,7 +15396,7 @@
             <p:ph idx="1"/>
             <p:extLst>
               <p:ext uri="{D42A27DB-BD31-4B8C-83A1-F6EECF244321}">
-                <p14:modId xmlns:p14="http://schemas.microsoft.com/office/powerpoint/2010/main" val="1318671864"/>
+                <p14:modId xmlns:p14="http://schemas.microsoft.com/office/powerpoint/2010/main" val="1225880333"/>
               </p:ext>
             </p:extLst>
           </p:nvPr>
@@ -17333,6 +17086,7 @@
       <p:pic>
         <p:nvPicPr>
           <p:cNvPr id="5" name="Picture 4" descr="Multi-colored paper-craft art">
+            <a:hlinkClick r:id="rId2" action="ppaction://hlinkfile"/>
             <a:extLst>
               <a:ext uri="{FF2B5EF4-FFF2-40B4-BE49-F238E27FC236}">
                 <a16:creationId xmlns:a16="http://schemas.microsoft.com/office/drawing/2014/main" id="{C56DBDAA-E73C-EF09-F8AD-D20FC8249E94}"/>
@@ -17345,7 +17099,7 @@
           <p:nvPr/>
         </p:nvPicPr>
         <p:blipFill>
-          <a:blip r:embed="rId2">
+          <a:blip r:embed="rId3">
             <a:alphaModFix amt="50000"/>
           </a:blip>
           <a:srcRect l="6618" r="4381" b="-2"/>
@@ -17373,7 +17127,7 @@
         </p:nvSpPr>
         <p:spPr>
           <a:xfrm>
-            <a:off x="1143000" y="1122362"/>
+            <a:off x="-872613" y="-1552013"/>
             <a:ext cx="6858000" cy="2900518"/>
           </a:xfrm>
         </p:spPr>
@@ -17389,7 +17143,7 @@
               </a:lnSpc>
             </a:pPr>
             <a:r>
-              <a:rPr lang="en-US" sz="6000">
+              <a:rPr lang="en-US" sz="6000" dirty="0">
                 <a:solidFill>
                   <a:srgbClr val="FFFFFF"/>
                 </a:solidFill>
@@ -17411,7 +17165,7 @@
         </p:nvSpPr>
         <p:spPr>
           <a:xfrm>
-            <a:off x="1143000" y="4159404"/>
+            <a:off x="445909" y="1942153"/>
             <a:ext cx="6858000" cy="1098395"/>
           </a:xfrm>
         </p:spPr>
@@ -17431,12 +17185,301 @@
               <a:buNone/>
             </a:pPr>
             <a:r>
-              <a:rPr lang="en-US" sz="2400">
+              <a:rPr lang="en-US" sz="2400" dirty="0">
                 <a:solidFill>
                   <a:srgbClr val="FFFFFF"/>
                 </a:solidFill>
               </a:rPr>
-              <a:t>Showcase a before &amp; after of text extraction, summary, sentiment, and audio output.</a:t>
+              <a:t>I have made a Showcase of before &amp; after of text extraction, summary, sentiment, and audio output.</a:t>
+            </a:r>
+          </a:p>
+        </p:txBody>
+      </p:sp>
+      <p:graphicFrame>
+        <p:nvGraphicFramePr>
+          <p:cNvPr id="4" name="Object 3">
+            <a:extLst>
+              <a:ext uri="{FF2B5EF4-FFF2-40B4-BE49-F238E27FC236}">
+                <a16:creationId xmlns:a16="http://schemas.microsoft.com/office/drawing/2014/main" id="{E661A139-6040-2DDB-A6C4-1AFEEA82E3C8}"/>
+              </a:ext>
+            </a:extLst>
+          </p:cNvPr>
+          <p:cNvGraphicFramePr>
+            <a:graphicFrameLocks noChangeAspect="1"/>
+          </p:cNvGraphicFramePr>
+          <p:nvPr>
+            <p:extLst>
+              <p:ext uri="{D42A27DB-BD31-4B8C-83A1-F6EECF244321}">
+                <p14:modId xmlns:p14="http://schemas.microsoft.com/office/powerpoint/2010/main" val="2060763751"/>
+              </p:ext>
+            </p:extLst>
+          </p:nvPr>
+        </p:nvGraphicFramePr>
+        <p:xfrm>
+          <a:off x="777516" y="3326964"/>
+          <a:ext cx="2054174" cy="981907"/>
+        </p:xfrm>
+        <a:graphic>
+          <a:graphicData uri="http://schemas.openxmlformats.org/presentationml/2006/ole">
+            <mc:AlternateContent xmlns:mc="http://schemas.openxmlformats.org/markup-compatibility/2006">
+              <mc:Choice xmlns:v="urn:schemas-microsoft-com:vml" Requires="v">
+                <p:oleObj name="Packager Shell Object" showAsIcon="1" r:id="rId4" imgW="1081969" imgH="518081" progId="Package">
+                  <p:embed/>
+                </p:oleObj>
+              </mc:Choice>
+              <mc:Fallback>
+                <p:oleObj name="Packager Shell Object" showAsIcon="1" r:id="rId4" imgW="1081969" imgH="518081" progId="Package">
+                  <p:embed/>
+                  <p:pic>
+                    <p:nvPicPr>
+                      <p:cNvPr id="0" name=""/>
+                      <p:cNvPicPr/>
+                      <p:nvPr/>
+                    </p:nvPicPr>
+                    <p:blipFill>
+                      <a:blip r:embed="rId5"/>
+                      <a:stretch>
+                        <a:fillRect/>
+                      </a:stretch>
+                    </p:blipFill>
+                    <p:spPr>
+                      <a:xfrm>
+                        <a:off x="777516" y="3326964"/>
+                        <a:ext cx="2054174" cy="981907"/>
+                      </a:xfrm>
+                      <a:prstGeom prst="rect">
+                        <a:avLst/>
+                      </a:prstGeom>
+                    </p:spPr>
+                  </p:pic>
+                </p:oleObj>
+              </mc:Fallback>
+            </mc:AlternateContent>
+          </a:graphicData>
+        </a:graphic>
+      </p:graphicFrame>
+      <p:graphicFrame>
+        <p:nvGraphicFramePr>
+          <p:cNvPr id="8" name="Object 7">
+            <a:extLst>
+              <a:ext uri="{FF2B5EF4-FFF2-40B4-BE49-F238E27FC236}">
+                <a16:creationId xmlns:a16="http://schemas.microsoft.com/office/drawing/2014/main" id="{AB0AEBDF-4922-D5D9-305A-138A8CB3882A}"/>
+              </a:ext>
+            </a:extLst>
+          </p:cNvPr>
+          <p:cNvGraphicFramePr>
+            <a:graphicFrameLocks noChangeAspect="1"/>
+          </p:cNvGraphicFramePr>
+          <p:nvPr>
+            <p:extLst>
+              <p:ext uri="{D42A27DB-BD31-4B8C-83A1-F6EECF244321}">
+                <p14:modId xmlns:p14="http://schemas.microsoft.com/office/powerpoint/2010/main" val="693397992"/>
+              </p:ext>
+            </p:extLst>
+          </p:nvPr>
+        </p:nvGraphicFramePr>
+        <p:xfrm>
+          <a:off x="3182799" y="3326964"/>
+          <a:ext cx="2400551" cy="981907"/>
+        </p:xfrm>
+        <a:graphic>
+          <a:graphicData uri="http://schemas.openxmlformats.org/presentationml/2006/ole">
+            <mc:AlternateContent xmlns:mc="http://schemas.openxmlformats.org/markup-compatibility/2006">
+              <mc:Choice xmlns:v="urn:schemas-microsoft-com:vml" Requires="v">
+                <p:oleObj name="Packager Shell Object" showAsIcon="1" r:id="rId6" imgW="1264849" imgH="518081" progId="Package">
+                  <p:embed/>
+                </p:oleObj>
+              </mc:Choice>
+              <mc:Fallback>
+                <p:oleObj name="Packager Shell Object" showAsIcon="1" r:id="rId6" imgW="1264849" imgH="518081" progId="Package">
+                  <p:embed/>
+                  <p:pic>
+                    <p:nvPicPr>
+                      <p:cNvPr id="0" name=""/>
+                      <p:cNvPicPr/>
+                      <p:nvPr/>
+                    </p:nvPicPr>
+                    <p:blipFill>
+                      <a:blip r:embed="rId7"/>
+                      <a:stretch>
+                        <a:fillRect/>
+                      </a:stretch>
+                    </p:blipFill>
+                    <p:spPr>
+                      <a:xfrm>
+                        <a:off x="3182799" y="3326964"/>
+                        <a:ext cx="2400551" cy="981907"/>
+                      </a:xfrm>
+                      <a:prstGeom prst="rect">
+                        <a:avLst/>
+                      </a:prstGeom>
+                    </p:spPr>
+                  </p:pic>
+                </p:oleObj>
+              </mc:Fallback>
+            </mc:AlternateContent>
+          </a:graphicData>
+        </a:graphic>
+      </p:graphicFrame>
+      <p:graphicFrame>
+        <p:nvGraphicFramePr>
+          <p:cNvPr id="10" name="Object 9">
+            <a:extLst>
+              <a:ext uri="{FF2B5EF4-FFF2-40B4-BE49-F238E27FC236}">
+                <a16:creationId xmlns:a16="http://schemas.microsoft.com/office/drawing/2014/main" id="{7E392A9F-C530-7EF6-46E5-1E942BF931C0}"/>
+              </a:ext>
+            </a:extLst>
+          </p:cNvPr>
+          <p:cNvGraphicFramePr>
+            <a:graphicFrameLocks noChangeAspect="1"/>
+          </p:cNvGraphicFramePr>
+          <p:nvPr>
+            <p:extLst>
+              <p:ext uri="{D42A27DB-BD31-4B8C-83A1-F6EECF244321}">
+                <p14:modId xmlns:p14="http://schemas.microsoft.com/office/powerpoint/2010/main" val="971621815"/>
+              </p:ext>
+            </p:extLst>
+          </p:nvPr>
+        </p:nvGraphicFramePr>
+        <p:xfrm>
+          <a:off x="5925536" y="3333057"/>
+          <a:ext cx="1795978" cy="975814"/>
+        </p:xfrm>
+        <a:graphic>
+          <a:graphicData uri="http://schemas.openxmlformats.org/presentationml/2006/ole">
+            <mc:AlternateContent xmlns:mc="http://schemas.openxmlformats.org/markup-compatibility/2006">
+              <mc:Choice xmlns:v="urn:schemas-microsoft-com:vml" Requires="v">
+                <p:oleObj name="Packager Shell Object" showAsIcon="1" r:id="rId8" imgW="952677" imgH="518081" progId="Package">
+                  <p:embed/>
+                </p:oleObj>
+              </mc:Choice>
+              <mc:Fallback>
+                <p:oleObj name="Packager Shell Object" showAsIcon="1" r:id="rId8" imgW="952677" imgH="518081" progId="Package">
+                  <p:embed/>
+                  <p:pic>
+                    <p:nvPicPr>
+                      <p:cNvPr id="0" name=""/>
+                      <p:cNvPicPr/>
+                      <p:nvPr/>
+                    </p:nvPicPr>
+                    <p:blipFill>
+                      <a:blip r:embed="rId9"/>
+                      <a:stretch>
+                        <a:fillRect/>
+                      </a:stretch>
+                    </p:blipFill>
+                    <p:spPr>
+                      <a:xfrm>
+                        <a:off x="5925536" y="3333057"/>
+                        <a:ext cx="1795978" cy="975814"/>
+                      </a:xfrm>
+                      <a:prstGeom prst="rect">
+                        <a:avLst/>
+                      </a:prstGeom>
+                    </p:spPr>
+                  </p:pic>
+                </p:oleObj>
+              </mc:Fallback>
+            </mc:AlternateContent>
+          </a:graphicData>
+        </a:graphic>
+      </p:graphicFrame>
+      <p:sp>
+        <p:nvSpPr>
+          <p:cNvPr id="11" name="TextBox 10">
+            <a:extLst>
+              <a:ext uri="{FF2B5EF4-FFF2-40B4-BE49-F238E27FC236}">
+                <a16:creationId xmlns:a16="http://schemas.microsoft.com/office/drawing/2014/main" id="{ADCCBEF6-AB02-D5EB-55A7-6BA19F23FF07}"/>
+              </a:ext>
+            </a:extLst>
+          </p:cNvPr>
+          <p:cNvSpPr txBox="1"/>
+          <p:nvPr/>
+        </p:nvSpPr>
+        <p:spPr>
+          <a:xfrm>
+            <a:off x="177001" y="6083285"/>
+            <a:ext cx="8966999" cy="646331"/>
+          </a:xfrm>
+          <a:prstGeom prst="rect">
+            <a:avLst/>
+          </a:prstGeom>
+          <a:noFill/>
+        </p:spPr>
+        <p:txBody>
+          <a:bodyPr wrap="square" rtlCol="0">
+            <a:spAutoFit/>
+          </a:bodyPr>
+          <a:lstStyle/>
+          <a:p>
+            <a:r>
+              <a:rPr lang="en-IN" dirty="0"/>
+              <a:t>Audio output link : https://github.com/Ritik050105/Hackathon/blob/main/Final%20Program/output_audio.mp3</a:t>
+            </a:r>
+          </a:p>
+        </p:txBody>
+      </p:sp>
+      <p:pic>
+        <p:nvPicPr>
+          <p:cNvPr id="13" name="Picture 12" descr="A newspaper article with a person and a tractor&#10;&#10;AI-generated content may be incorrect.">
+            <a:extLst>
+              <a:ext uri="{FF2B5EF4-FFF2-40B4-BE49-F238E27FC236}">
+                <a16:creationId xmlns:a16="http://schemas.microsoft.com/office/drawing/2014/main" id="{CD1E4E08-B95D-8B1F-99FF-2AE5CA472478}"/>
+              </a:ext>
+            </a:extLst>
+          </p:cNvPr>
+          <p:cNvPicPr>
+            <a:picLocks noChangeAspect="1"/>
+          </p:cNvPicPr>
+          <p:nvPr/>
+        </p:nvPicPr>
+        <p:blipFill>
+          <a:blip r:embed="rId10"/>
+          <a:stretch>
+            <a:fillRect/>
+          </a:stretch>
+        </p:blipFill>
+        <p:spPr>
+          <a:xfrm>
+            <a:off x="3649092" y="4592561"/>
+            <a:ext cx="2022815" cy="1587910"/>
+          </a:xfrm>
+          <a:prstGeom prst="rect">
+            <a:avLst/>
+          </a:prstGeom>
+        </p:spPr>
+      </p:pic>
+      <p:sp>
+        <p:nvSpPr>
+          <p:cNvPr id="14" name="TextBox 13">
+            <a:extLst>
+              <a:ext uri="{FF2B5EF4-FFF2-40B4-BE49-F238E27FC236}">
+                <a16:creationId xmlns:a16="http://schemas.microsoft.com/office/drawing/2014/main" id="{88D0BF86-F9E9-0D23-DC9C-7B01442C67D8}"/>
+              </a:ext>
+            </a:extLst>
+          </p:cNvPr>
+          <p:cNvSpPr txBox="1"/>
+          <p:nvPr/>
+        </p:nvSpPr>
+        <p:spPr>
+          <a:xfrm>
+            <a:off x="648929" y="4989688"/>
+            <a:ext cx="2698955" cy="369332"/>
+          </a:xfrm>
+          <a:prstGeom prst="rect">
+            <a:avLst/>
+          </a:prstGeom>
+          <a:noFill/>
+        </p:spPr>
+        <p:txBody>
+          <a:bodyPr wrap="square" rtlCol="0">
+            <a:spAutoFit/>
+          </a:bodyPr>
+          <a:lstStyle/>
+          <a:p>
+            <a:r>
+              <a:rPr lang="en-IN" dirty="0"/>
+              <a:t>Sample image used --&gt;</a:t>
             </a:r>
           </a:p>
         </p:txBody>
@@ -18062,6 +18105,9 @@
   <wetp:taskpane dockstate="right" visibility="0" width="438" row="1">
     <wetp:webextensionref xmlns:r="http://schemas.openxmlformats.org/officeDocument/2006/relationships" r:id="rId2"/>
   </wetp:taskpane>
+  <wetp:taskpane dockstate="right" visibility="0" width="0" row="0">
+    <wetp:webextensionref xmlns:r="http://schemas.openxmlformats.org/officeDocument/2006/relationships" r:id="rId3"/>
+  </wetp:taskpane>
 </wetp:taskpanes>
 </file>
 
@@ -18087,4 +18133,16 @@
   <we:bindings/>
   <we:snapshot xmlns:r="http://schemas.openxmlformats.org/officeDocument/2006/relationships"/>
 </we:webextension>
+</file>
+
+<file path=ppt/webextensions/webextension3.xml><?xml version="1.0" encoding="utf-8"?>
+<we:webextension xmlns:we="http://schemas.microsoft.com/office/webextensions/webextension/2010/11" id="{B3C3A1BB-EAEE-44A1-BBFC-1FACA13165AA}">
+  <we:reference id="wa200007710" version="1.0.0.1" store="en-US" storeType="OMEX"/>
+  <we:alternateReferences>
+    <we:reference id="wa200007710" version="1.0.0.1" store="WA200007710" storeType="OMEX"/>
+  </we:alternateReferences>
+  <we:properties/>
+  <we:bindings/>
+  <we:snapshot xmlns:r="http://schemas.openxmlformats.org/officeDocument/2006/relationships"/>
+</we:webextension>
 </file>
--- a/Hackathon Presentation.pptx
+++ b/Hackathon Presentation.pptx
@@ -17489,98 +17489,6 @@
   <p:clrMapOvr>
     <a:overrideClrMapping bg1="dk1" tx1="lt1" bg2="dk2" tx2="lt2" accent1="accent1" accent2="accent2" accent3="accent3" accent4="accent4" accent5="accent5" accent6="accent6" hlink="hlink" folHlink="folHlink"/>
   </p:clrMapOvr>
-  <p:timing>
-    <p:tnLst>
-      <p:par>
-        <p:cTn id="1" dur="indefinite" restart="never" nodeType="tmRoot">
-          <p:childTnLst>
-            <p:seq concurrent="1" nextAc="seek">
-              <p:cTn id="2" dur="indefinite" nodeType="mainSeq">
-                <p:childTnLst>
-                  <p:par>
-                    <p:cTn id="3" fill="hold">
-                      <p:stCondLst>
-                        <p:cond delay="indefinite"/>
-                        <p:cond evt="onBegin" delay="0">
-                          <p:tn val="2"/>
-                        </p:cond>
-                      </p:stCondLst>
-                      <p:childTnLst>
-                        <p:par>
-                          <p:cTn id="4" fill="hold">
-                            <p:stCondLst>
-                              <p:cond delay="0"/>
-                            </p:stCondLst>
-                            <p:childTnLst>
-                              <p:par>
-                                <p:cTn id="5" presetID="10" presetClass="entr" presetSubtype="0" fill="hold" grpId="0" nodeType="withEffect">
-                                  <p:stCondLst>
-                                    <p:cond delay="1000"/>
-                                  </p:stCondLst>
-                                  <p:iterate type="lt">
-                                    <p:tmPct val="10000"/>
-                                  </p:iterate>
-                                  <p:childTnLst>
-                                    <p:set>
-                                      <p:cBhvr>
-                                        <p:cTn id="6" dur="1" fill="hold">
-                                          <p:stCondLst>
-                                            <p:cond delay="0"/>
-                                          </p:stCondLst>
-                                        </p:cTn>
-                                        <p:tgtEl>
-                                          <p:spTgt spid="2"/>
-                                        </p:tgtEl>
-                                        <p:attrNameLst>
-                                          <p:attrName>style.visibility</p:attrName>
-                                        </p:attrNameLst>
-                                      </p:cBhvr>
-                                      <p:to>
-                                        <p:strVal val="visible"/>
-                                      </p:to>
-                                    </p:set>
-                                    <p:animEffect transition="in" filter="fade">
-                                      <p:cBhvr>
-                                        <p:cTn id="7" dur="400"/>
-                                        <p:tgtEl>
-                                          <p:spTgt spid="2"/>
-                                        </p:tgtEl>
-                                      </p:cBhvr>
-                                    </p:animEffect>
-                                  </p:childTnLst>
-                                </p:cTn>
-                              </p:par>
-                            </p:childTnLst>
-                          </p:cTn>
-                        </p:par>
-                      </p:childTnLst>
-                    </p:cTn>
-                  </p:par>
-                </p:childTnLst>
-              </p:cTn>
-              <p:prevCondLst>
-                <p:cond evt="onPrev" delay="0">
-                  <p:tgtEl>
-                    <p:sldTgt/>
-                  </p:tgtEl>
-                </p:cond>
-              </p:prevCondLst>
-              <p:nextCondLst>
-                <p:cond evt="onNext" delay="0">
-                  <p:tgtEl>
-                    <p:sldTgt/>
-                  </p:tgtEl>
-                </p:cond>
-              </p:nextCondLst>
-            </p:seq>
-          </p:childTnLst>
-        </p:cTn>
-      </p:par>
-    </p:tnLst>
-    <p:bldLst>
-      <p:bldP spid="2" grpId="0"/>
-    </p:bldLst>
-  </p:timing>
 </p:sld>
 </file>
 
